--- a/Research question/reseach_question_presentation.pptx
+++ b/Research question/reseach_question_presentation.pptx
@@ -5,17 +5,19 @@
     <p:sldMasterId id="2147483648" r:id="rId4"/>
   </p:sldMasterIdLst>
   <p:notesMasterIdLst>
-    <p:notesMasterId r:id="rId10"/>
+    <p:notesMasterId r:id="rId12"/>
   </p:notesMasterIdLst>
   <p:handoutMasterIdLst>
-    <p:handoutMasterId r:id="rId11"/>
+    <p:handoutMasterId r:id="rId13"/>
   </p:handoutMasterIdLst>
   <p:sldIdLst>
     <p:sldId id="340" r:id="rId5"/>
     <p:sldId id="341" r:id="rId6"/>
     <p:sldId id="336" r:id="rId7"/>
-    <p:sldId id="342" r:id="rId8"/>
+    <p:sldId id="346" r:id="rId8"/>
     <p:sldId id="339" r:id="rId9"/>
+    <p:sldId id="344" r:id="rId10"/>
+    <p:sldId id="345" r:id="rId11"/>
   </p:sldIdLst>
   <p:sldSz cx="12192000" cy="6858000"/>
   <p:notesSz cx="6858000" cy="9144000"/>
@@ -151,14 +153,6 @@
 </p:presentation>
 </file>
 
-<file path=ppt/revisionInfo.xml><?xml version="1.0" encoding="utf-8"?>
-<p1510:revInfo xmlns:a="http://schemas.openxmlformats.org/drawingml/2006/main" xmlns:r="http://schemas.openxmlformats.org/officeDocument/2006/relationships" xmlns:p1510="http://schemas.microsoft.com/office/powerpoint/2015/10/main">
-  <p1510:revLst>
-    <p1510:client id="{EC76CECB-D9C9-A537-033A-1B89524A291D}" v="364" dt="2024-10-17T19:31:15.610"/>
-  </p1510:revLst>
-</p1510:revInfo>
-</file>
-
 <file path=ppt/handoutMasters/handoutMaster1.xml><?xml version="1.0" encoding="utf-8"?>
 <p:handoutMaster xmlns:a="http://schemas.openxmlformats.org/drawingml/2006/main" xmlns:r="http://schemas.openxmlformats.org/officeDocument/2006/relationships" xmlns:p="http://schemas.openxmlformats.org/presentationml/2006/main">
   <p:cSld>
@@ -254,7 +248,7 @@
             <a:fld id="{93FAAC3A-BD1F-4A00-9099-74B95789FE00}" type="datetimeFigureOut">
               <a:rPr lang="en-GB" smtClean="0"/>
               <a:pPr/>
-              <a:t>17/11/2024</a:t>
+              <a:t>21/11/2024</a:t>
             </a:fld>
             <a:endParaRPr lang="en-GB"/>
           </a:p>
@@ -433,7 +427,7 @@
             <a:fld id="{8E359C8A-39F6-4045-9163-4042C4C26B15}" type="datetimeFigureOut">
               <a:rPr lang="en-GB" smtClean="0"/>
               <a:pPr/>
-              <a:t>17/11/2024</a:t>
+              <a:t>21/11/2024</a:t>
             </a:fld>
             <a:endParaRPr lang="en-GB"/>
           </a:p>
@@ -863,6 +857,91 @@
     <p:extLst>
       <p:ext uri="{BB962C8B-B14F-4D97-AF65-F5344CB8AC3E}">
         <p14:creationId xmlns:p14="http://schemas.microsoft.com/office/powerpoint/2010/main" val="2667984944"/>
+      </p:ext>
+    </p:extLst>
+  </p:cSld>
+  <p:clrMapOvr>
+    <a:masterClrMapping/>
+  </p:clrMapOvr>
+</p:notes>
+</file>
+
+<file path=ppt/notesSlides/notesSlide3.xml><?xml version="1.0" encoding="utf-8"?>
+<p:notes xmlns:a="http://schemas.openxmlformats.org/drawingml/2006/main" xmlns:r="http://schemas.openxmlformats.org/officeDocument/2006/relationships" xmlns:p="http://schemas.openxmlformats.org/presentationml/2006/main">
+  <p:cSld>
+    <p:spTree>
+      <p:nvGrpSpPr>
+        <p:cNvPr id="1" name=""/>
+        <p:cNvGrpSpPr/>
+        <p:nvPr/>
+      </p:nvGrpSpPr>
+      <p:grpSpPr>
+        <a:xfrm>
+          <a:off x="0" y="0"/>
+          <a:ext cx="0" cy="0"/>
+          <a:chOff x="0" y="0"/>
+          <a:chExt cx="0" cy="0"/>
+        </a:xfrm>
+      </p:grpSpPr>
+      <p:sp>
+        <p:nvSpPr>
+          <p:cNvPr id="2" name="Slide Image Placeholder 1"/>
+          <p:cNvSpPr>
+            <a:spLocks noGrp="1" noRot="1" noChangeAspect="1"/>
+          </p:cNvSpPr>
+          <p:nvPr>
+            <p:ph type="sldImg"/>
+          </p:nvPr>
+        </p:nvSpPr>
+        <p:spPr/>
+      </p:sp>
+      <p:sp>
+        <p:nvSpPr>
+          <p:cNvPr id="3" name="Notes Placeholder 2"/>
+          <p:cNvSpPr>
+            <a:spLocks noGrp="1"/>
+          </p:cNvSpPr>
+          <p:nvPr>
+            <p:ph type="body" idx="1"/>
+          </p:nvPr>
+        </p:nvSpPr>
+        <p:spPr/>
+        <p:txBody>
+          <a:bodyPr/>
+          <a:lstStyle/>
+          <a:p>
+            <a:endParaRPr lang="en-GB" dirty="0"/>
+          </a:p>
+        </p:txBody>
+      </p:sp>
+      <p:sp>
+        <p:nvSpPr>
+          <p:cNvPr id="4" name="Slide Number Placeholder 3"/>
+          <p:cNvSpPr>
+            <a:spLocks noGrp="1"/>
+          </p:cNvSpPr>
+          <p:nvPr>
+            <p:ph type="sldNum" sz="quarter" idx="5"/>
+          </p:nvPr>
+        </p:nvSpPr>
+        <p:spPr/>
+        <p:txBody>
+          <a:bodyPr/>
+          <a:lstStyle/>
+          <a:p>
+            <a:fld id="{30370952-48CC-46D7-9FCD-59FAD40CC025}" type="slidenum">
+              <a:rPr lang="en-GB" smtClean="0"/>
+              <a:pPr/>
+              <a:t>4</a:t>
+            </a:fld>
+            <a:endParaRPr lang="en-GB"/>
+          </a:p>
+        </p:txBody>
+      </p:sp>
+    </p:spTree>
+    <p:extLst>
+      <p:ext uri="{BB962C8B-B14F-4D97-AF65-F5344CB8AC3E}">
+        <p14:creationId xmlns:p14="http://schemas.microsoft.com/office/powerpoint/2010/main" val="3939429285"/>
       </p:ext>
     </p:extLst>
   </p:cSld>
@@ -4765,61 +4844,25 @@
               <a:t>7COM1079-2024  Student Group No:  A 231                Names of Student Attendees : </a:t>
             </a:r>
             <a:r>
-              <a:rPr lang="en-US" b="0" i="0" u="none" strike="noStrike" dirty="0" err="1">
-                <a:effectLst/>
-                <a:latin typeface="Lato Extended"/>
-              </a:rPr>
-              <a:t>Chandrakanth</a:t>
-            </a:r>
-            <a:r>
               <a:rPr lang="en-US" b="0" i="0" u="none" strike="noStrike" dirty="0">
                 <a:effectLst/>
                 <a:latin typeface="Lato Extended"/>
               </a:rPr>
-              <a:t> </a:t>
-            </a:r>
-            <a:r>
-              <a:rPr lang="en-US" b="0" i="0" u="none" strike="noStrike" dirty="0" err="1">
-                <a:effectLst/>
-                <a:latin typeface="Lato Extended"/>
-              </a:rPr>
-              <a:t>Pugalenthi</a:t>
-            </a:r>
-            <a:endParaRPr lang="en-US" b="0" i="0" u="none" strike="noStrike" dirty="0">
-              <a:effectLst/>
-              <a:latin typeface="Lato Extended"/>
-            </a:endParaRPr>
+              <a:t>Chandrakanth Pugalenthi</a:t>
+            </a:r>
           </a:p>
           <a:p>
             <a:r>
               <a:rPr lang="en-GB" dirty="0"/>
               <a:t>                                                                                                                                         </a:t>
-            </a:r>
-            <a:r>
-              <a:rPr lang="en-US" b="0" i="0" u="none" strike="noStrike" dirty="0" err="1">
-                <a:effectLst/>
-                <a:latin typeface="Lato Extended"/>
-              </a:rPr>
-              <a:t>Gurucharan</a:t>
             </a:r>
             <a:r>
               <a:rPr lang="en-US" b="0" i="0" u="none" strike="noStrike" dirty="0">
                 <a:effectLst/>
                 <a:latin typeface="Lato Extended"/>
               </a:rPr>
-              <a:t> </a:t>
-            </a:r>
-            <a:r>
-              <a:rPr lang="en-US" b="0" i="0" u="none" strike="noStrike" dirty="0" err="1">
-                <a:effectLst/>
-                <a:latin typeface="Lato Extended"/>
-              </a:rPr>
-              <a:t>Kataru</a:t>
-            </a:r>
-            <a:endParaRPr lang="en-US" b="0" i="0" u="none" strike="noStrike" dirty="0">
-              <a:effectLst/>
-              <a:latin typeface="Lato Extended"/>
-            </a:endParaRPr>
+              <a:t>Gurucharan Kataru</a:t>
+            </a:r>
           </a:p>
           <a:p>
             <a:r>
@@ -4831,75 +4874,33 @@
                 <a:effectLst/>
                 <a:latin typeface="Lato Extended"/>
               </a:rPr>
-              <a:t>Hanuman </a:t>
-            </a:r>
-            <a:r>
-              <a:rPr lang="en-US" b="0" i="0" u="none" strike="noStrike" dirty="0" err="1">
-                <a:effectLst/>
-                <a:latin typeface="Lato Extended"/>
-              </a:rPr>
-              <a:t>Shabarish</a:t>
+              <a:t>Hanuman Shabarish Siddam Setty</a:t>
+            </a:r>
+          </a:p>
+          <a:p>
+            <a:r>
+              <a:rPr lang="en-GB" dirty="0"/>
+              <a:t>                                                                                                                                         </a:t>
             </a:r>
             <a:r>
               <a:rPr lang="en-US" b="0" i="0" u="none" strike="noStrike" dirty="0">
                 <a:effectLst/>
                 <a:latin typeface="Lato Extended"/>
               </a:rPr>
-              <a:t> </a:t>
-            </a:r>
-            <a:r>
-              <a:rPr lang="en-US" b="0" i="0" u="none" strike="noStrike" dirty="0" err="1">
-                <a:effectLst/>
-                <a:latin typeface="Lato Extended"/>
-              </a:rPr>
-              <a:t>Siddam</a:t>
+              <a:t>Praveenraj Gopalakrishnan</a:t>
+            </a:r>
+          </a:p>
+          <a:p>
+            <a:r>
+              <a:rPr lang="en-GB" dirty="0"/>
+              <a:t>                                                                                                                                         </a:t>
             </a:r>
             <a:r>
               <a:rPr lang="en-US" b="0" i="0" u="none" strike="noStrike" dirty="0">
                 <a:effectLst/>
                 <a:latin typeface="Lato Extended"/>
               </a:rPr>
-              <a:t> Setty</a:t>
-            </a:r>
-          </a:p>
-          <a:p>
-            <a:r>
-              <a:rPr lang="en-GB" dirty="0"/>
-              <a:t>                                                                                                                                         </a:t>
-            </a:r>
-            <a:r>
-              <a:rPr lang="en-US" b="0" i="0" u="none" strike="noStrike" dirty="0" err="1">
-                <a:effectLst/>
-                <a:latin typeface="Lato Extended"/>
-              </a:rPr>
-              <a:t>Praveenraj</a:t>
-            </a:r>
-            <a:r>
-              <a:rPr lang="en-US" b="0" i="0" u="none" strike="noStrike" dirty="0">
-                <a:effectLst/>
-                <a:latin typeface="Lato Extended"/>
-              </a:rPr>
-              <a:t> Gopalakrishnan</a:t>
-            </a:r>
-          </a:p>
-          <a:p>
-            <a:r>
-              <a:rPr lang="en-GB" dirty="0"/>
-              <a:t>                                                                                                                                         </a:t>
-            </a:r>
-            <a:r>
-              <a:rPr lang="en-US" b="0" i="0" u="none" strike="noStrike" dirty="0" err="1">
-                <a:effectLst/>
-                <a:latin typeface="Lato Extended"/>
-              </a:rPr>
-              <a:t>Sathyanarayana</a:t>
-            </a:r>
-            <a:r>
-              <a:rPr lang="en-US" b="0" i="0" u="none" strike="noStrike" dirty="0">
-                <a:effectLst/>
-                <a:latin typeface="Lato Extended"/>
-              </a:rPr>
-              <a:t> Mora</a:t>
+              <a:t>Sathyanarayana Mora</a:t>
             </a:r>
             <a:endParaRPr lang="en-GB" dirty="0"/>
           </a:p>
@@ -5154,53 +5155,23 @@
               <a:t>7COM1079-2024  Student Group No:  A 231                Names of Student Attendees : </a:t>
             </a:r>
             <a:r>
-              <a:rPr lang="en-US" dirty="0" err="1">
-                <a:latin typeface="Lato Extended"/>
-              </a:rPr>
-              <a:t>Chandrakanth</a:t>
-            </a:r>
-            <a:r>
               <a:rPr lang="en-US" dirty="0">
                 <a:latin typeface="Lato Extended"/>
               </a:rPr>
-              <a:t> </a:t>
-            </a:r>
-            <a:r>
-              <a:rPr lang="en-US" dirty="0" err="1">
-                <a:latin typeface="Lato Extended"/>
-              </a:rPr>
-              <a:t>Pugalenthi</a:t>
-            </a:r>
-            <a:endParaRPr lang="en-US" dirty="0">
-              <a:latin typeface="Lato Extended"/>
-            </a:endParaRPr>
+              <a:t>Chandrakanth Pugalenthi</a:t>
+            </a:r>
           </a:p>
           <a:p>
             <a:r>
               <a:rPr lang="en-GB" dirty="0"/>
               <a:t>                                                                                                                                         </a:t>
-            </a:r>
-            <a:r>
-              <a:rPr lang="en-US" dirty="0" err="1">
-                <a:latin typeface="Lato Extended"/>
-              </a:rPr>
-              <a:t>Gurucharan</a:t>
             </a:r>
             <a:r>
               <a:rPr lang="en-US" dirty="0">
                 <a:latin typeface="Lato Extended"/>
               </a:rPr>
-              <a:t> </a:t>
-            </a:r>
-            <a:r>
-              <a:rPr lang="en-US" dirty="0" err="1">
-                <a:latin typeface="Lato Extended"/>
-              </a:rPr>
-              <a:t>Kataru</a:t>
-            </a:r>
-            <a:endParaRPr lang="en-US" dirty="0">
-              <a:latin typeface="Lato Extended"/>
-            </a:endParaRPr>
+              <a:t>Gurucharan Kataru</a:t>
+            </a:r>
           </a:p>
           <a:p>
             <a:r>
@@ -5211,67 +5182,31 @@
               <a:rPr lang="en-US" dirty="0">
                 <a:latin typeface="Lato Extended"/>
               </a:rPr>
-              <a:t>Hanuman </a:t>
-            </a:r>
-            <a:r>
-              <a:rPr lang="en-US" dirty="0" err="1">
-                <a:latin typeface="Lato Extended"/>
-              </a:rPr>
-              <a:t>Shabarish</a:t>
+              <a:t>Hanuman Shabarish Siddam Setty</a:t>
+            </a:r>
+          </a:p>
+          <a:p>
+            <a:r>
+              <a:rPr lang="en-GB" dirty="0"/>
+              <a:t>                                                                                                                                         </a:t>
             </a:r>
             <a:r>
               <a:rPr lang="en-US" dirty="0">
                 <a:latin typeface="Lato Extended"/>
               </a:rPr>
-              <a:t> </a:t>
-            </a:r>
-            <a:r>
-              <a:rPr lang="en-US" dirty="0" err="1">
-                <a:latin typeface="Lato Extended"/>
-              </a:rPr>
-              <a:t>Siddam</a:t>
+              <a:t>Praveenraj Gopalakrishnan</a:t>
+            </a:r>
+          </a:p>
+          <a:p>
+            <a:r>
+              <a:rPr lang="en-GB" dirty="0"/>
+              <a:t>                                                                                                                                         </a:t>
             </a:r>
             <a:r>
               <a:rPr lang="en-US" dirty="0">
                 <a:latin typeface="Lato Extended"/>
               </a:rPr>
-              <a:t> Setty</a:t>
-            </a:r>
-          </a:p>
-          <a:p>
-            <a:r>
-              <a:rPr lang="en-GB" dirty="0"/>
-              <a:t>                                                                                                                                         </a:t>
-            </a:r>
-            <a:r>
-              <a:rPr lang="en-US" dirty="0" err="1">
-                <a:latin typeface="Lato Extended"/>
-              </a:rPr>
-              <a:t>Praveenraj</a:t>
-            </a:r>
-            <a:r>
-              <a:rPr lang="en-US" dirty="0">
-                <a:latin typeface="Lato Extended"/>
-              </a:rPr>
-              <a:t> Gopalakrishnan</a:t>
-            </a:r>
-          </a:p>
-          <a:p>
-            <a:r>
-              <a:rPr lang="en-GB" dirty="0"/>
-              <a:t>                                                                                                                                         </a:t>
-            </a:r>
-            <a:r>
-              <a:rPr lang="en-US" dirty="0" err="1">
-                <a:latin typeface="Lato Extended"/>
-              </a:rPr>
-              <a:t>Sathyanarayana</a:t>
-            </a:r>
-            <a:r>
-              <a:rPr lang="en-US" dirty="0">
-                <a:latin typeface="Lato Extended"/>
-              </a:rPr>
-              <a:t> Mora</a:t>
+              <a:t>Sathyanarayana Mora</a:t>
             </a:r>
             <a:endParaRPr lang="en-GB" dirty="0"/>
           </a:p>
@@ -5338,7 +5273,7 @@
                 <a:effectLst/>
                 <a:latin typeface="Helvetica Neue" panose="02000503000000020004" pitchFamily="2" charset="0"/>
               </a:rPr>
-              <a:t>State, nominal/categorical.</a:t>
+              <a:t>State,(nominal/categorical).</a:t>
             </a:r>
             <a:br>
               <a:rPr lang="en-US" sz="1800" b="0" dirty="0">
@@ -5372,7 +5307,7 @@
                 <a:effectLst/>
                 <a:latin typeface="Helvetica Neue" panose="02000503000000020004" pitchFamily="2" charset="0"/>
               </a:rPr>
-              <a:t>Voter turnout rate- interval/continuous.</a:t>
+              <a:t>Voter turnout rate(interval/continuous).</a:t>
             </a:r>
           </a:p>
         </p:txBody>
@@ -5628,7 +5563,7 @@
         </p:nvSpPr>
         <p:spPr>
           <a:xfrm>
-            <a:off x="11269543" y="284375"/>
+            <a:off x="11056919" y="800232"/>
             <a:ext cx="558281" cy="221244"/>
           </a:xfrm>
         </p:spPr>
@@ -5662,7 +5597,7 @@
         </p:nvSpPr>
         <p:spPr>
           <a:xfrm>
-            <a:off x="995189" y="988540"/>
+            <a:off x="855940" y="1814040"/>
             <a:ext cx="10480120" cy="4176584"/>
           </a:xfrm>
         </p:spPr>
@@ -5782,10 +5717,115 @@
           </a:p>
         </p:txBody>
       </p:sp>
+      <p:sp>
+        <p:nvSpPr>
+          <p:cNvPr id="6" name="Title 32">
+            <a:extLst>
+              <a:ext uri="{FF2B5EF4-FFF2-40B4-BE49-F238E27FC236}">
+                <a16:creationId xmlns:a16="http://schemas.microsoft.com/office/drawing/2014/main" id="{986402AA-BDC3-127B-8679-08164D3AADCB}"/>
+              </a:ext>
+            </a:extLst>
+          </p:cNvPr>
+          <p:cNvSpPr txBox="1">
+            <a:spLocks/>
+          </p:cNvSpPr>
+          <p:nvPr/>
+        </p:nvSpPr>
+        <p:spPr>
+          <a:xfrm>
+            <a:off x="855940" y="1411370"/>
+            <a:ext cx="10279150" cy="365125"/>
+          </a:xfrm>
+          <a:prstGeom prst="rect">
+            <a:avLst/>
+          </a:prstGeom>
+        </p:spPr>
+        <p:txBody>
+          <a:bodyPr vert="horz" lIns="0" tIns="0" rIns="0" bIns="0" rtlCol="0" anchor="t" anchorCtr="0">
+            <a:normAutofit fontScale="32500" lnSpcReduction="20000"/>
+          </a:bodyPr>
+          <a:lstStyle>
+            <a:lvl1pPr algn="l" defTabSz="914400" rtl="0" eaLnBrk="1" latinLnBrk="0" hangingPunct="1">
+              <a:lnSpc>
+                <a:spcPts val="8000"/>
+              </a:lnSpc>
+              <a:spcBef>
+                <a:spcPct val="0"/>
+              </a:spcBef>
+              <a:buNone/>
+              <a:defRPr sz="7500" b="1" kern="3000" spc="-200" baseline="0">
+                <a:solidFill>
+                  <a:schemeClr val="tx1"/>
+                </a:solidFill>
+                <a:latin typeface="+mj-lt"/>
+                <a:ea typeface="+mj-ea"/>
+                <a:cs typeface="+mj-cs"/>
+              </a:defRPr>
+            </a:lvl1pPr>
+          </a:lstStyle>
+          <a:p>
+            <a:pPr>
+              <a:lnSpc>
+                <a:spcPct val="100000"/>
+              </a:lnSpc>
+            </a:pPr>
+            <a:r>
+              <a:rPr lang="en-GB" sz="8000" dirty="0">
+                <a:latin typeface="Arial"/>
+                <a:cs typeface="Arial"/>
+              </a:rPr>
+              <a:t>Hypothesis</a:t>
+            </a:r>
+          </a:p>
+        </p:txBody>
+      </p:sp>
+      <p:sp>
+        <p:nvSpPr>
+          <p:cNvPr id="7" name="Footer Placeholder 1">
+            <a:extLst>
+              <a:ext uri="{FF2B5EF4-FFF2-40B4-BE49-F238E27FC236}">
+                <a16:creationId xmlns:a16="http://schemas.microsoft.com/office/drawing/2014/main" id="{CB04DB67-9536-EC99-E363-15A202EFBF7E}"/>
+              </a:ext>
+            </a:extLst>
+          </p:cNvPr>
+          <p:cNvSpPr>
+            <a:spLocks noGrp="1"/>
+          </p:cNvSpPr>
+          <p:nvPr>
+            <p:ph type="ftr" sz="quarter" idx="11"/>
+          </p:nvPr>
+        </p:nvSpPr>
+        <p:spPr>
+          <a:xfrm>
+            <a:off x="970139" y="775255"/>
+            <a:ext cx="7176911" cy="246221"/>
+          </a:xfrm>
+        </p:spPr>
+        <p:txBody>
+          <a:bodyPr/>
+          <a:lstStyle/>
+          <a:p>
+            <a:pPr>
+              <a:lnSpc>
+                <a:spcPct val="100000"/>
+              </a:lnSpc>
+            </a:pPr>
+            <a:r>
+              <a:rPr lang="en-GB" sz="1600" b="0" dirty="0"/>
+              <a:t>PRE 7COM1079-2024  Student Group No:</a:t>
+            </a:r>
+            <a:r>
+              <a:rPr lang="en-GB" sz="1600" dirty="0"/>
+              <a:t> A231</a:t>
+            </a:r>
+            <a:endParaRPr lang="en-GB" sz="1600" b="0" dirty="0"/>
+          </a:p>
+        </p:txBody>
+      </p:sp>
     </p:spTree>
     <p:extLst>
       <p:ext uri="{BB962C8B-B14F-4D97-AF65-F5344CB8AC3E}">
-        <p14:creationId xmlns:p14="http://schemas.microsoft.com/office/powerpoint/2010/main" val="3281899123"/>
+        <p14:creationId xmlns:p14="http://schemas.microsoft.com/office/powerpoint/2010/main" val="1529597853"/>
       </p:ext>
     </p:extLst>
   </p:cSld>
@@ -5883,10 +5923,10 @@
       </p:sp>
       <p:pic>
         <p:nvPicPr>
-          <p:cNvPr id="5" name="Picture 4" descr="A screenshot of a computer&#10;&#10;Description automatically generated">
-            <a:extLst>
-              <a:ext uri="{FF2B5EF4-FFF2-40B4-BE49-F238E27FC236}">
-                <a16:creationId xmlns:a16="http://schemas.microsoft.com/office/drawing/2014/main" id="{A7696895-F5A8-96E9-1888-E72D81170ACC}"/>
+          <p:cNvPr id="6" name="Picture 5">
+            <a:extLst>
+              <a:ext uri="{FF2B5EF4-FFF2-40B4-BE49-F238E27FC236}">
+                <a16:creationId xmlns:a16="http://schemas.microsoft.com/office/drawing/2014/main" id="{3B31E8F1-9161-7FBD-E9AB-E3197A8CB3F2}"/>
               </a:ext>
             </a:extLst>
           </p:cNvPr>
@@ -5896,21 +5936,444 @@
           <p:nvPr/>
         </p:nvPicPr>
         <p:blipFill>
-          <a:blip r:embed="rId2">
-            <a:extLst>
-              <a:ext uri="{28A0092B-C50C-407E-A947-70E740481C1C}">
-                <a14:useLocalDpi xmlns:a14="http://schemas.microsoft.com/office/drawing/2010/main" val="0"/>
-              </a:ext>
-            </a:extLst>
-          </a:blip>
+          <a:blip r:embed="rId2"/>
           <a:stretch>
             <a:fillRect/>
           </a:stretch>
         </p:blipFill>
         <p:spPr>
           <a:xfrm>
-            <a:off x="1409046" y="2204866"/>
-            <a:ext cx="9373908" cy="2448267"/>
+            <a:off x="965289" y="1769193"/>
+            <a:ext cx="10273912" cy="2136058"/>
+          </a:xfrm>
+          <a:prstGeom prst="rect">
+            <a:avLst/>
+          </a:prstGeom>
+        </p:spPr>
+      </p:pic>
+      <p:sp>
+        <p:nvSpPr>
+          <p:cNvPr id="2" name="Content Placeholder 23">
+            <a:extLst>
+              <a:ext uri="{FF2B5EF4-FFF2-40B4-BE49-F238E27FC236}">
+                <a16:creationId xmlns:a16="http://schemas.microsoft.com/office/drawing/2014/main" id="{03CCD84A-05A5-5C45-F15E-0EAF455490E0}"/>
+              </a:ext>
+            </a:extLst>
+          </p:cNvPr>
+          <p:cNvSpPr txBox="1">
+            <a:spLocks/>
+          </p:cNvSpPr>
+          <p:nvPr/>
+        </p:nvSpPr>
+        <p:spPr>
+          <a:xfrm>
+            <a:off x="965289" y="4381976"/>
+            <a:ext cx="10489358" cy="560440"/>
+          </a:xfrm>
+          <a:prstGeom prst="rect">
+            <a:avLst/>
+          </a:prstGeom>
+        </p:spPr>
+        <p:txBody>
+          <a:bodyPr vert="horz" lIns="0" tIns="0" rIns="0" bIns="0" rtlCol="0">
+            <a:noAutofit/>
+          </a:bodyPr>
+          <a:lstStyle>
+            <a:lvl1pPr marL="0" indent="0" algn="l" defTabSz="914400" rtl="0" eaLnBrk="1" latinLnBrk="0" hangingPunct="1">
+              <a:lnSpc>
+                <a:spcPts val="2880"/>
+              </a:lnSpc>
+              <a:spcBef>
+                <a:spcPts val="0"/>
+              </a:spcBef>
+              <a:spcAft>
+                <a:spcPts val="992"/>
+              </a:spcAft>
+              <a:buFont typeface="Arial" panose="020B0604020202020204" pitchFamily="34" charset="0"/>
+              <a:buNone/>
+              <a:defRPr sz="3600" b="1" kern="3000" spc="-100" baseline="0">
+                <a:solidFill>
+                  <a:schemeClr val="tx2"/>
+                </a:solidFill>
+                <a:latin typeface="+mn-lt"/>
+                <a:ea typeface="+mn-ea"/>
+                <a:cs typeface="+mn-cs"/>
+              </a:defRPr>
+            </a:lvl1pPr>
+            <a:lvl2pPr marL="457200" indent="0" algn="ctr" defTabSz="914400" rtl="0" eaLnBrk="1" latinLnBrk="0" hangingPunct="1">
+              <a:lnSpc>
+                <a:spcPts val="2880"/>
+              </a:lnSpc>
+              <a:spcBef>
+                <a:spcPts val="0"/>
+              </a:spcBef>
+              <a:spcAft>
+                <a:spcPts val="992"/>
+              </a:spcAft>
+              <a:buFont typeface="Arial" panose="020B0604020202020204" pitchFamily="34" charset="0"/>
+              <a:buNone/>
+              <a:defRPr sz="2000" kern="2000" spc="-100" baseline="0">
+                <a:solidFill>
+                  <a:srgbClr val="203232"/>
+                </a:solidFill>
+                <a:latin typeface="+mn-lt"/>
+                <a:ea typeface="+mn-ea"/>
+                <a:cs typeface="+mn-cs"/>
+              </a:defRPr>
+            </a:lvl2pPr>
+            <a:lvl3pPr marL="914400" indent="0" algn="ctr" defTabSz="914400" rtl="0" eaLnBrk="1" latinLnBrk="0" hangingPunct="1">
+              <a:lnSpc>
+                <a:spcPts val="2880"/>
+              </a:lnSpc>
+              <a:spcBef>
+                <a:spcPts val="0"/>
+              </a:spcBef>
+              <a:spcAft>
+                <a:spcPts val="992"/>
+              </a:spcAft>
+              <a:buFont typeface="Arial" panose="020B0604020202020204" pitchFamily="34" charset="0"/>
+              <a:buNone/>
+              <a:defRPr sz="1800" kern="2000" spc="-100" baseline="0">
+                <a:solidFill>
+                  <a:srgbClr val="203232"/>
+                </a:solidFill>
+                <a:latin typeface="+mn-lt"/>
+                <a:ea typeface="+mn-ea"/>
+                <a:cs typeface="+mn-cs"/>
+              </a:defRPr>
+            </a:lvl3pPr>
+            <a:lvl4pPr marL="1371600" indent="0" algn="ctr" defTabSz="914400" rtl="0" eaLnBrk="1" latinLnBrk="0" hangingPunct="1">
+              <a:lnSpc>
+                <a:spcPts val="2160"/>
+              </a:lnSpc>
+              <a:spcBef>
+                <a:spcPts val="0"/>
+              </a:spcBef>
+              <a:buFont typeface="Arial" panose="020B0604020202020204" pitchFamily="34" charset="0"/>
+              <a:buNone/>
+              <a:defRPr sz="1600" kern="1200">
+                <a:solidFill>
+                  <a:srgbClr val="203232"/>
+                </a:solidFill>
+                <a:latin typeface="+mn-lt"/>
+                <a:ea typeface="+mn-ea"/>
+                <a:cs typeface="+mn-cs"/>
+              </a:defRPr>
+            </a:lvl4pPr>
+            <a:lvl5pPr marL="1828800" indent="0" algn="ctr" defTabSz="914400" rtl="0" eaLnBrk="1" latinLnBrk="0" hangingPunct="1">
+              <a:lnSpc>
+                <a:spcPts val="2160"/>
+              </a:lnSpc>
+              <a:spcBef>
+                <a:spcPts val="0"/>
+              </a:spcBef>
+              <a:buFont typeface="Arial" panose="020B0604020202020204" pitchFamily="34" charset="0"/>
+              <a:buNone/>
+              <a:defRPr sz="1600" b="1" kern="1200">
+                <a:solidFill>
+                  <a:srgbClr val="203232"/>
+                </a:solidFill>
+                <a:latin typeface="+mn-lt"/>
+                <a:ea typeface="+mn-ea"/>
+                <a:cs typeface="+mn-cs"/>
+              </a:defRPr>
+            </a:lvl5pPr>
+            <a:lvl6pPr marL="2286000" indent="0" algn="ctr" defTabSz="914400" rtl="0" eaLnBrk="1" latinLnBrk="0" hangingPunct="1">
+              <a:lnSpc>
+                <a:spcPct val="90000"/>
+              </a:lnSpc>
+              <a:spcBef>
+                <a:spcPts val="500"/>
+              </a:spcBef>
+              <a:buFont typeface="Arial" panose="020B0604020202020204" pitchFamily="34" charset="0"/>
+              <a:buNone/>
+              <a:defRPr sz="1600" kern="1200">
+                <a:solidFill>
+                  <a:schemeClr val="tx1"/>
+                </a:solidFill>
+                <a:latin typeface="+mn-lt"/>
+                <a:ea typeface="+mn-ea"/>
+                <a:cs typeface="+mn-cs"/>
+              </a:defRPr>
+            </a:lvl6pPr>
+            <a:lvl7pPr marL="2743200" indent="0" algn="ctr" defTabSz="914400" rtl="0" eaLnBrk="1" latinLnBrk="0" hangingPunct="1">
+              <a:lnSpc>
+                <a:spcPct val="90000"/>
+              </a:lnSpc>
+              <a:spcBef>
+                <a:spcPts val="500"/>
+              </a:spcBef>
+              <a:buFont typeface="Arial" panose="020B0604020202020204" pitchFamily="34" charset="0"/>
+              <a:buNone/>
+              <a:defRPr sz="1600" kern="1200">
+                <a:solidFill>
+                  <a:schemeClr val="tx1"/>
+                </a:solidFill>
+                <a:latin typeface="+mn-lt"/>
+                <a:ea typeface="+mn-ea"/>
+                <a:cs typeface="+mn-cs"/>
+              </a:defRPr>
+            </a:lvl7pPr>
+            <a:lvl8pPr marL="3200400" indent="0" algn="ctr" defTabSz="914400" rtl="0" eaLnBrk="1" latinLnBrk="0" hangingPunct="1">
+              <a:lnSpc>
+                <a:spcPct val="90000"/>
+              </a:lnSpc>
+              <a:spcBef>
+                <a:spcPts val="500"/>
+              </a:spcBef>
+              <a:buFont typeface="Arial" panose="020B0604020202020204" pitchFamily="34" charset="0"/>
+              <a:buNone/>
+              <a:defRPr sz="1600" kern="1200">
+                <a:solidFill>
+                  <a:schemeClr val="tx1"/>
+                </a:solidFill>
+                <a:latin typeface="+mn-lt"/>
+                <a:ea typeface="+mn-ea"/>
+                <a:cs typeface="+mn-cs"/>
+              </a:defRPr>
+            </a:lvl8pPr>
+            <a:lvl9pPr marL="3657600" indent="0" algn="ctr" defTabSz="914400" rtl="0" eaLnBrk="1" latinLnBrk="0" hangingPunct="1">
+              <a:lnSpc>
+                <a:spcPct val="90000"/>
+              </a:lnSpc>
+              <a:spcBef>
+                <a:spcPts val="500"/>
+              </a:spcBef>
+              <a:buFont typeface="Arial" panose="020B0604020202020204" pitchFamily="34" charset="0"/>
+              <a:buNone/>
+              <a:defRPr sz="1600" kern="1200">
+                <a:solidFill>
+                  <a:schemeClr val="tx1"/>
+                </a:solidFill>
+                <a:latin typeface="+mn-lt"/>
+                <a:ea typeface="+mn-ea"/>
+                <a:cs typeface="+mn-cs"/>
+              </a:defRPr>
+            </a:lvl9pPr>
+          </a:lstStyle>
+          <a:p>
+            <a:pPr algn="just"/>
+            <a:r>
+              <a:rPr lang="en-US" sz="1800" b="0" spc="0" dirty="0">
+                <a:solidFill>
+                  <a:schemeClr val="bg2">
+                    <a:lumMod val="50000"/>
+                  </a:schemeClr>
+                </a:solidFill>
+              </a:rPr>
+              <a:t>There are 53 rows and 15 columns.</a:t>
+            </a:r>
+            <a:endParaRPr lang="en-IN" sz="1800" b="0" spc="0" dirty="0">
+              <a:solidFill>
+                <a:schemeClr val="bg2">
+                  <a:lumMod val="50000"/>
+                </a:schemeClr>
+              </a:solidFill>
+            </a:endParaRPr>
+          </a:p>
+        </p:txBody>
+      </p:sp>
+    </p:spTree>
+    <p:extLst>
+      <p:ext uri="{BB962C8B-B14F-4D97-AF65-F5344CB8AC3E}">
+        <p14:creationId xmlns:p14="http://schemas.microsoft.com/office/powerpoint/2010/main" val="271734506"/>
+      </p:ext>
+    </p:extLst>
+  </p:cSld>
+  <p:clrMapOvr>
+    <a:masterClrMapping/>
+  </p:clrMapOvr>
+</p:sld>
+</file>
+
+<file path=ppt/slides/slide6.xml><?xml version="1.0" encoding="utf-8"?>
+<p:sld xmlns:a="http://schemas.openxmlformats.org/drawingml/2006/main" xmlns:r="http://schemas.openxmlformats.org/officeDocument/2006/relationships" xmlns:p="http://schemas.openxmlformats.org/presentationml/2006/main">
+  <p:cSld>
+    <p:spTree>
+      <p:nvGrpSpPr>
+        <p:cNvPr id="1" name=""/>
+        <p:cNvGrpSpPr/>
+        <p:nvPr/>
+      </p:nvGrpSpPr>
+      <p:grpSpPr>
+        <a:xfrm>
+          <a:off x="0" y="0"/>
+          <a:ext cx="0" cy="0"/>
+          <a:chOff x="0" y="0"/>
+          <a:chExt cx="0" cy="0"/>
+        </a:xfrm>
+      </p:grpSpPr>
+      <p:sp>
+        <p:nvSpPr>
+          <p:cNvPr id="33" name="Title 32">
+            <a:extLst>
+              <a:ext uri="{FF2B5EF4-FFF2-40B4-BE49-F238E27FC236}">
+                <a16:creationId xmlns:a16="http://schemas.microsoft.com/office/drawing/2014/main" id="{F07E611D-D19D-EC7A-5F97-A40D125F51A4}"/>
+              </a:ext>
+            </a:extLst>
+          </p:cNvPr>
+          <p:cNvSpPr>
+            <a:spLocks noGrp="1"/>
+          </p:cNvSpPr>
+          <p:nvPr>
+            <p:ph type="title"/>
+          </p:nvPr>
+        </p:nvSpPr>
+        <p:spPr/>
+        <p:txBody>
+          <a:bodyPr/>
+          <a:lstStyle/>
+          <a:p>
+            <a:r>
+              <a:rPr lang="en-IN" dirty="0"/>
+              <a:t>Visualization</a:t>
+            </a:r>
+          </a:p>
+        </p:txBody>
+      </p:sp>
+      <p:sp>
+        <p:nvSpPr>
+          <p:cNvPr id="24" name="Content Placeholder 23">
+            <a:extLst>
+              <a:ext uri="{FF2B5EF4-FFF2-40B4-BE49-F238E27FC236}">
+                <a16:creationId xmlns:a16="http://schemas.microsoft.com/office/drawing/2014/main" id="{416D93DF-7E7B-3539-00C9-95827FBA7D83}"/>
+              </a:ext>
+            </a:extLst>
+          </p:cNvPr>
+          <p:cNvSpPr>
+            <a:spLocks noGrp="1"/>
+          </p:cNvSpPr>
+          <p:nvPr>
+            <p:ph idx="1"/>
+          </p:nvPr>
+        </p:nvSpPr>
+        <p:spPr>
+          <a:xfrm>
+            <a:off x="970139" y="2717600"/>
+            <a:ext cx="5651641" cy="3175200"/>
+          </a:xfrm>
+        </p:spPr>
+        <p:txBody>
+          <a:bodyPr/>
+          <a:lstStyle/>
+          <a:p>
+            <a:pPr algn="just"/>
+            <a:r>
+              <a:rPr lang="en-IN" sz="1800" dirty="0"/>
+              <a:t>The histogram states that the data is not normally distributed (positively Skewed).</a:t>
+            </a:r>
+          </a:p>
+          <a:p>
+            <a:pPr algn="just"/>
+            <a:endParaRPr lang="en-IN" sz="1800" dirty="0"/>
+          </a:p>
+          <a:p>
+            <a:pPr algn="just"/>
+            <a:endParaRPr lang="en-IN" sz="1800" dirty="0"/>
+          </a:p>
+          <a:p>
+            <a:pPr algn="just"/>
+            <a:endParaRPr lang="en-IN" sz="1800" dirty="0"/>
+          </a:p>
+        </p:txBody>
+      </p:sp>
+      <p:sp>
+        <p:nvSpPr>
+          <p:cNvPr id="2" name="Footer Placeholder 1">
+            <a:extLst>
+              <a:ext uri="{FF2B5EF4-FFF2-40B4-BE49-F238E27FC236}">
+                <a16:creationId xmlns:a16="http://schemas.microsoft.com/office/drawing/2014/main" id="{EE56CD5D-A6F4-C1F0-527D-0D94FA696273}"/>
+              </a:ext>
+            </a:extLst>
+          </p:cNvPr>
+          <p:cNvSpPr>
+            <a:spLocks noGrp="1"/>
+          </p:cNvSpPr>
+          <p:nvPr>
+            <p:ph type="ftr" sz="quarter" idx="11"/>
+          </p:nvPr>
+        </p:nvSpPr>
+        <p:spPr>
+          <a:xfrm>
+            <a:off x="970139" y="775255"/>
+            <a:ext cx="7176911" cy="246221"/>
+          </a:xfrm>
+        </p:spPr>
+        <p:txBody>
+          <a:bodyPr/>
+          <a:lstStyle/>
+          <a:p>
+            <a:pPr>
+              <a:lnSpc>
+                <a:spcPct val="100000"/>
+              </a:lnSpc>
+            </a:pPr>
+            <a:r>
+              <a:rPr lang="en-GB" sz="1600" b="0" dirty="0"/>
+              <a:t>PRE 7COM1079-2024  Student Group No:</a:t>
+            </a:r>
+            <a:r>
+              <a:rPr lang="en-GB" sz="1600" dirty="0"/>
+              <a:t> A231</a:t>
+            </a:r>
+            <a:endParaRPr lang="en-GB" sz="1600" b="0" dirty="0"/>
+          </a:p>
+        </p:txBody>
+      </p:sp>
+      <p:sp>
+        <p:nvSpPr>
+          <p:cNvPr id="3" name="Slide Number Placeholder 2">
+            <a:extLst>
+              <a:ext uri="{FF2B5EF4-FFF2-40B4-BE49-F238E27FC236}">
+                <a16:creationId xmlns:a16="http://schemas.microsoft.com/office/drawing/2014/main" id="{C38DB271-6D19-4A3F-3D12-C12477A05397}"/>
+              </a:ext>
+            </a:extLst>
+          </p:cNvPr>
+          <p:cNvSpPr>
+            <a:spLocks noGrp="1"/>
+          </p:cNvSpPr>
+          <p:nvPr>
+            <p:ph type="sldNum" sz="quarter" idx="12"/>
+          </p:nvPr>
+        </p:nvSpPr>
+        <p:spPr/>
+        <p:txBody>
+          <a:bodyPr/>
+          <a:lstStyle/>
+          <a:p>
+            <a:fld id="{E4D355CA-84B7-41B1-B164-8BB439CC7C6B}" type="slidenum">
+              <a:rPr lang="en-GB" smtClean="0"/>
+              <a:pPr/>
+              <a:t>6</a:t>
+            </a:fld>
+            <a:endParaRPr lang="en-GB"/>
+          </a:p>
+        </p:txBody>
+      </p:sp>
+      <p:pic>
+        <p:nvPicPr>
+          <p:cNvPr id="8" name="Picture 7">
+            <a:extLst>
+              <a:ext uri="{FF2B5EF4-FFF2-40B4-BE49-F238E27FC236}">
+                <a16:creationId xmlns:a16="http://schemas.microsoft.com/office/drawing/2014/main" id="{461D12D8-8A3E-8242-FEFE-E75F1B6B8798}"/>
+              </a:ext>
+            </a:extLst>
+          </p:cNvPr>
+          <p:cNvPicPr>
+            <a:picLocks noChangeAspect="1"/>
+          </p:cNvPicPr>
+          <p:nvPr/>
+        </p:nvPicPr>
+        <p:blipFill>
+          <a:blip r:embed="rId2"/>
+          <a:stretch>
+            <a:fillRect/>
+          </a:stretch>
+        </p:blipFill>
+        <p:spPr>
+          <a:xfrm>
+            <a:off x="7087724" y="3130938"/>
+            <a:ext cx="4703814" cy="2830614"/>
           </a:xfrm>
           <a:prstGeom prst="rect">
             <a:avLst/>
@@ -5920,7 +6383,173 @@
     </p:spTree>
     <p:extLst>
       <p:ext uri="{BB962C8B-B14F-4D97-AF65-F5344CB8AC3E}">
-        <p14:creationId xmlns:p14="http://schemas.microsoft.com/office/powerpoint/2010/main" val="271734506"/>
+        <p14:creationId xmlns:p14="http://schemas.microsoft.com/office/powerpoint/2010/main" val="2565465705"/>
+      </p:ext>
+    </p:extLst>
+  </p:cSld>
+  <p:clrMapOvr>
+    <a:masterClrMapping/>
+  </p:clrMapOvr>
+</p:sld>
+</file>
+
+<file path=ppt/slides/slide7.xml><?xml version="1.0" encoding="utf-8"?>
+<p:sld xmlns:a="http://schemas.openxmlformats.org/drawingml/2006/main" xmlns:r="http://schemas.openxmlformats.org/officeDocument/2006/relationships" xmlns:p="http://schemas.openxmlformats.org/presentationml/2006/main">
+  <p:cSld>
+    <p:spTree>
+      <p:nvGrpSpPr>
+        <p:cNvPr id="1" name=""/>
+        <p:cNvGrpSpPr/>
+        <p:nvPr/>
+      </p:nvGrpSpPr>
+      <p:grpSpPr>
+        <a:xfrm>
+          <a:off x="0" y="0"/>
+          <a:ext cx="0" cy="0"/>
+          <a:chOff x="0" y="0"/>
+          <a:chExt cx="0" cy="0"/>
+        </a:xfrm>
+      </p:grpSpPr>
+      <p:sp>
+        <p:nvSpPr>
+          <p:cNvPr id="10" name="Title 9">
+            <a:extLst>
+              <a:ext uri="{FF2B5EF4-FFF2-40B4-BE49-F238E27FC236}">
+                <a16:creationId xmlns:a16="http://schemas.microsoft.com/office/drawing/2014/main" id="{53C325C2-B3E2-84CF-BC13-5B0F44377D3C}"/>
+              </a:ext>
+            </a:extLst>
+          </p:cNvPr>
+          <p:cNvSpPr>
+            <a:spLocks noGrp="1"/>
+          </p:cNvSpPr>
+          <p:nvPr>
+            <p:ph type="title"/>
+          </p:nvPr>
+        </p:nvSpPr>
+        <p:spPr>
+          <a:xfrm>
+            <a:off x="942711" y="831624"/>
+            <a:ext cx="10279150" cy="365125"/>
+          </a:xfrm>
+        </p:spPr>
+        <p:txBody>
+          <a:bodyPr/>
+          <a:lstStyle/>
+          <a:p>
+            <a:r>
+              <a:rPr lang="en-IN" dirty="0"/>
+              <a:t>Code Snippet</a:t>
+            </a:r>
+          </a:p>
+        </p:txBody>
+      </p:sp>
+      <p:sp>
+        <p:nvSpPr>
+          <p:cNvPr id="2" name="Footer Placeholder 1">
+            <a:extLst>
+              <a:ext uri="{FF2B5EF4-FFF2-40B4-BE49-F238E27FC236}">
+                <a16:creationId xmlns:a16="http://schemas.microsoft.com/office/drawing/2014/main" id="{3A1E6E31-7AF2-11DB-4550-155AAE6DC2D3}"/>
+              </a:ext>
+            </a:extLst>
+          </p:cNvPr>
+          <p:cNvSpPr>
+            <a:spLocks noGrp="1"/>
+          </p:cNvSpPr>
+          <p:nvPr>
+            <p:ph type="ftr" sz="quarter" idx="11"/>
+          </p:nvPr>
+        </p:nvSpPr>
+        <p:spPr>
+          <a:xfrm>
+            <a:off x="970139" y="356155"/>
+            <a:ext cx="7176911" cy="246221"/>
+          </a:xfrm>
+        </p:spPr>
+        <p:txBody>
+          <a:bodyPr/>
+          <a:lstStyle/>
+          <a:p>
+            <a:pPr>
+              <a:lnSpc>
+                <a:spcPct val="100000"/>
+              </a:lnSpc>
+            </a:pPr>
+            <a:r>
+              <a:rPr lang="en-GB" sz="1600" b="0" dirty="0"/>
+              <a:t>PRE 7COM1079-2024  Student Group No:</a:t>
+            </a:r>
+            <a:r>
+              <a:rPr lang="en-GB" sz="1600" dirty="0"/>
+              <a:t> A231</a:t>
+            </a:r>
+            <a:endParaRPr lang="en-GB" sz="1600" b="0" dirty="0"/>
+          </a:p>
+        </p:txBody>
+      </p:sp>
+      <p:sp>
+        <p:nvSpPr>
+          <p:cNvPr id="3" name="Slide Number Placeholder 2">
+            <a:extLst>
+              <a:ext uri="{FF2B5EF4-FFF2-40B4-BE49-F238E27FC236}">
+                <a16:creationId xmlns:a16="http://schemas.microsoft.com/office/drawing/2014/main" id="{1C1B5968-DB9E-B290-BD34-A1CDD59504BA}"/>
+              </a:ext>
+            </a:extLst>
+          </p:cNvPr>
+          <p:cNvSpPr>
+            <a:spLocks noGrp="1"/>
+          </p:cNvSpPr>
+          <p:nvPr>
+            <p:ph type="sldNum" sz="quarter" idx="12"/>
+          </p:nvPr>
+        </p:nvSpPr>
+        <p:spPr/>
+        <p:txBody>
+          <a:bodyPr/>
+          <a:lstStyle/>
+          <a:p>
+            <a:fld id="{E4D355CA-84B7-41B1-B164-8BB439CC7C6B}" type="slidenum">
+              <a:rPr lang="en-GB" smtClean="0"/>
+              <a:pPr/>
+              <a:t>7</a:t>
+            </a:fld>
+            <a:endParaRPr lang="en-GB"/>
+          </a:p>
+        </p:txBody>
+      </p:sp>
+      <p:pic>
+        <p:nvPicPr>
+          <p:cNvPr id="13" name="Picture 12">
+            <a:extLst>
+              <a:ext uri="{FF2B5EF4-FFF2-40B4-BE49-F238E27FC236}">
+                <a16:creationId xmlns:a16="http://schemas.microsoft.com/office/drawing/2014/main" id="{514DDBC9-30FB-FF5B-6642-680732E333AD}"/>
+              </a:ext>
+            </a:extLst>
+          </p:cNvPr>
+          <p:cNvPicPr>
+            <a:picLocks noChangeAspect="1"/>
+          </p:cNvPicPr>
+          <p:nvPr/>
+        </p:nvPicPr>
+        <p:blipFill>
+          <a:blip r:embed="rId2"/>
+          <a:stretch>
+            <a:fillRect/>
+          </a:stretch>
+        </p:blipFill>
+        <p:spPr>
+          <a:xfrm>
+            <a:off x="1072136" y="1597618"/>
+            <a:ext cx="10020300" cy="5162670"/>
+          </a:xfrm>
+          <a:prstGeom prst="rect">
+            <a:avLst/>
+          </a:prstGeom>
+        </p:spPr>
+      </p:pic>
+    </p:spTree>
+    <p:extLst>
+      <p:ext uri="{BB962C8B-B14F-4D97-AF65-F5344CB8AC3E}">
+        <p14:creationId xmlns:p14="http://schemas.microsoft.com/office/powerpoint/2010/main" val="1567373919"/>
       </p:ext>
     </p:extLst>
   </p:cSld>
@@ -6782,15 +7411,6 @@
 </file>
 
 <file path=customXml/item1.xml><?xml version="1.0" encoding="utf-8"?>
-<?mso-contentType ?>
-<FormTemplates xmlns="http://schemas.microsoft.com/sharepoint/v3/contenttype/forms">
-  <Display>DocumentLibraryForm</Display>
-  <Edit>DocumentLibraryForm</Edit>
-  <New>DocumentLibraryForm</New>
-</FormTemplates>
-</file>
-
-<file path=customXml/item2.xml><?xml version="1.0" encoding="utf-8"?>
 <p:properties xmlns:p="http://schemas.microsoft.com/office/2006/metadata/properties" xmlns:xsi="http://www.w3.org/2001/XMLSchema-instance" xmlns:pc="http://schemas.microsoft.com/office/infopath/2007/PartnerControls">
   <documentManagement>
     <Information xmlns="4ad138b4-2b68-4b70-945d-07f8f18b1c9a" xsi:nil="true"/>
@@ -6798,7 +7418,7 @@
 </p:properties>
 </file>
 
-<file path=customXml/item3.xml><?xml version="1.0" encoding="utf-8"?>
+<file path=customXml/item2.xml><?xml version="1.0" encoding="utf-8"?>
 <ct:contentTypeSchema xmlns:ct="http://schemas.microsoft.com/office/2006/metadata/contentType" xmlns:ma="http://schemas.microsoft.com/office/2006/metadata/properties/metaAttributes" ct:_="" ma:_="" ma:contentTypeName="Document" ma:contentTypeID="0x01010026DBA85F447B164191BB36C258697B67" ma:contentTypeVersion="14" ma:contentTypeDescription="Create a new document." ma:contentTypeScope="" ma:versionID="ea511d05ca7f895fe9556935b5c9af34">
   <xsd:schema xmlns:xsd="http://www.w3.org/2001/XMLSchema" xmlns:xs="http://www.w3.org/2001/XMLSchema" xmlns:p="http://schemas.microsoft.com/office/2006/metadata/properties" xmlns:ns2="4ad138b4-2b68-4b70-945d-07f8f18b1c9a" xmlns:ns3="3c474641-ec36-472f-b125-6b1b0910eaa4" targetNamespace="http://schemas.microsoft.com/office/2006/metadata/properties" ma:root="true" ma:fieldsID="662270106d7a7e100bcac2c5f8d29899" ns2:_="" ns3:_="">
     <xsd:import namespace="4ad138b4-2b68-4b70-945d-07f8f18b1c9a"/>
@@ -7023,15 +7643,16 @@
 </ct:contentTypeSchema>
 </file>
 
-<file path=customXml/itemProps1.xml><?xml version="1.0" encoding="utf-8"?>
-<ds:datastoreItem xmlns:ds="http://schemas.openxmlformats.org/officeDocument/2006/customXml" ds:itemID="{91C521DD-2673-4EE6-BB9B-DC5C3320FFBB}">
-  <ds:schemaRefs>
-    <ds:schemaRef ds:uri="http://schemas.microsoft.com/sharepoint/v3/contenttype/forms"/>
-  </ds:schemaRefs>
-</ds:datastoreItem>
+<file path=customXml/item3.xml><?xml version="1.0" encoding="utf-8"?>
+<?mso-contentType ?>
+<FormTemplates xmlns="http://schemas.microsoft.com/sharepoint/v3/contenttype/forms">
+  <Display>DocumentLibraryForm</Display>
+  <Edit>DocumentLibraryForm</Edit>
+  <New>DocumentLibraryForm</New>
+</FormTemplates>
 </file>
 
-<file path=customXml/itemProps2.xml><?xml version="1.0" encoding="utf-8"?>
+<file path=customXml/itemProps1.xml><?xml version="1.0" encoding="utf-8"?>
 <ds:datastoreItem xmlns:ds="http://schemas.openxmlformats.org/officeDocument/2006/customXml" ds:itemID="{EDD1FC41-23C7-41B0-B5F9-BF4CD38AD2ED}">
   <ds:schemaRefs>
     <ds:schemaRef ds:uri="http://schemas.microsoft.com/office/infopath/2007/PartnerControls"/>
@@ -7048,7 +7669,7 @@
 </ds:datastoreItem>
 </file>
 
-<file path=customXml/itemProps3.xml><?xml version="1.0" encoding="utf-8"?>
+<file path=customXml/itemProps2.xml><?xml version="1.0" encoding="utf-8"?>
 <ds:datastoreItem xmlns:ds="http://schemas.openxmlformats.org/officeDocument/2006/customXml" ds:itemID="{421B8C57-903D-4D0E-8336-7B512F760CD1}">
   <ds:schemaRefs>
     <ds:schemaRef ds:uri="http://schemas.microsoft.com/office/2006/metadata/contentType"/>
@@ -7065,4 +7686,12 @@
     <ds:schemaRef ds:uri="http://schemas.microsoft.com/internal/obd"/>
   </ds:schemaRefs>
 </ds:datastoreItem>
+</file>
+
+<file path=customXml/itemProps3.xml><?xml version="1.0" encoding="utf-8"?>
+<ds:datastoreItem xmlns:ds="http://schemas.openxmlformats.org/officeDocument/2006/customXml" ds:itemID="{91C521DD-2673-4EE6-BB9B-DC5C3320FFBB}">
+  <ds:schemaRefs>
+    <ds:schemaRef ds:uri="http://schemas.microsoft.com/sharepoint/v3/contenttype/forms"/>
+  </ds:schemaRefs>
+</ds:datastoreItem>
 </file>
--- a/Research question/reseach_question_presentation.pptx
+++ b/Research question/reseach_question_presentation.pptx
@@ -5,19 +5,17 @@
     <p:sldMasterId id="2147483648" r:id="rId4"/>
   </p:sldMasterIdLst>
   <p:notesMasterIdLst>
-    <p:notesMasterId r:id="rId12"/>
+    <p:notesMasterId r:id="rId10"/>
   </p:notesMasterIdLst>
   <p:handoutMasterIdLst>
-    <p:handoutMasterId r:id="rId13"/>
+    <p:handoutMasterId r:id="rId11"/>
   </p:handoutMasterIdLst>
   <p:sldIdLst>
     <p:sldId id="340" r:id="rId5"/>
     <p:sldId id="341" r:id="rId6"/>
     <p:sldId id="336" r:id="rId7"/>
-    <p:sldId id="346" r:id="rId8"/>
+    <p:sldId id="342" r:id="rId8"/>
     <p:sldId id="339" r:id="rId9"/>
-    <p:sldId id="344" r:id="rId10"/>
-    <p:sldId id="345" r:id="rId11"/>
   </p:sldIdLst>
   <p:sldSz cx="12192000" cy="6858000"/>
   <p:notesSz cx="6858000" cy="9144000"/>
@@ -153,6 +151,14 @@
 </p:presentation>
 </file>
 
+<file path=ppt/revisionInfo.xml><?xml version="1.0" encoding="utf-8"?>
+<p1510:revInfo xmlns:a="http://schemas.openxmlformats.org/drawingml/2006/main" xmlns:r="http://schemas.openxmlformats.org/officeDocument/2006/relationships" xmlns:p1510="http://schemas.microsoft.com/office/powerpoint/2015/10/main">
+  <p1510:revLst>
+    <p1510:client id="{EC76CECB-D9C9-A537-033A-1B89524A291D}" v="364" dt="2024-10-17T19:31:15.610"/>
+  </p1510:revLst>
+</p1510:revInfo>
+</file>
+
 <file path=ppt/handoutMasters/handoutMaster1.xml><?xml version="1.0" encoding="utf-8"?>
 <p:handoutMaster xmlns:a="http://schemas.openxmlformats.org/drawingml/2006/main" xmlns:r="http://schemas.openxmlformats.org/officeDocument/2006/relationships" xmlns:p="http://schemas.openxmlformats.org/presentationml/2006/main">
   <p:cSld>
@@ -248,7 +254,7 @@
             <a:fld id="{93FAAC3A-BD1F-4A00-9099-74B95789FE00}" type="datetimeFigureOut">
               <a:rPr lang="en-GB" smtClean="0"/>
               <a:pPr/>
-              <a:t>21/11/2024</a:t>
+              <a:t>17/11/2024</a:t>
             </a:fld>
             <a:endParaRPr lang="en-GB"/>
           </a:p>
@@ -427,7 +433,7 @@
             <a:fld id="{8E359C8A-39F6-4045-9163-4042C4C26B15}" type="datetimeFigureOut">
               <a:rPr lang="en-GB" smtClean="0"/>
               <a:pPr/>
-              <a:t>21/11/2024</a:t>
+              <a:t>17/11/2024</a:t>
             </a:fld>
             <a:endParaRPr lang="en-GB"/>
           </a:p>
@@ -857,91 +863,6 @@
     <p:extLst>
       <p:ext uri="{BB962C8B-B14F-4D97-AF65-F5344CB8AC3E}">
         <p14:creationId xmlns:p14="http://schemas.microsoft.com/office/powerpoint/2010/main" val="2667984944"/>
-      </p:ext>
-    </p:extLst>
-  </p:cSld>
-  <p:clrMapOvr>
-    <a:masterClrMapping/>
-  </p:clrMapOvr>
-</p:notes>
-</file>
-
-<file path=ppt/notesSlides/notesSlide3.xml><?xml version="1.0" encoding="utf-8"?>
-<p:notes xmlns:a="http://schemas.openxmlformats.org/drawingml/2006/main" xmlns:r="http://schemas.openxmlformats.org/officeDocument/2006/relationships" xmlns:p="http://schemas.openxmlformats.org/presentationml/2006/main">
-  <p:cSld>
-    <p:spTree>
-      <p:nvGrpSpPr>
-        <p:cNvPr id="1" name=""/>
-        <p:cNvGrpSpPr/>
-        <p:nvPr/>
-      </p:nvGrpSpPr>
-      <p:grpSpPr>
-        <a:xfrm>
-          <a:off x="0" y="0"/>
-          <a:ext cx="0" cy="0"/>
-          <a:chOff x="0" y="0"/>
-          <a:chExt cx="0" cy="0"/>
-        </a:xfrm>
-      </p:grpSpPr>
-      <p:sp>
-        <p:nvSpPr>
-          <p:cNvPr id="2" name="Slide Image Placeholder 1"/>
-          <p:cNvSpPr>
-            <a:spLocks noGrp="1" noRot="1" noChangeAspect="1"/>
-          </p:cNvSpPr>
-          <p:nvPr>
-            <p:ph type="sldImg"/>
-          </p:nvPr>
-        </p:nvSpPr>
-        <p:spPr/>
-      </p:sp>
-      <p:sp>
-        <p:nvSpPr>
-          <p:cNvPr id="3" name="Notes Placeholder 2"/>
-          <p:cNvSpPr>
-            <a:spLocks noGrp="1"/>
-          </p:cNvSpPr>
-          <p:nvPr>
-            <p:ph type="body" idx="1"/>
-          </p:nvPr>
-        </p:nvSpPr>
-        <p:spPr/>
-        <p:txBody>
-          <a:bodyPr/>
-          <a:lstStyle/>
-          <a:p>
-            <a:endParaRPr lang="en-GB" dirty="0"/>
-          </a:p>
-        </p:txBody>
-      </p:sp>
-      <p:sp>
-        <p:nvSpPr>
-          <p:cNvPr id="4" name="Slide Number Placeholder 3"/>
-          <p:cNvSpPr>
-            <a:spLocks noGrp="1"/>
-          </p:cNvSpPr>
-          <p:nvPr>
-            <p:ph type="sldNum" sz="quarter" idx="5"/>
-          </p:nvPr>
-        </p:nvSpPr>
-        <p:spPr/>
-        <p:txBody>
-          <a:bodyPr/>
-          <a:lstStyle/>
-          <a:p>
-            <a:fld id="{30370952-48CC-46D7-9FCD-59FAD40CC025}" type="slidenum">
-              <a:rPr lang="en-GB" smtClean="0"/>
-              <a:pPr/>
-              <a:t>4</a:t>
-            </a:fld>
-            <a:endParaRPr lang="en-GB"/>
-          </a:p>
-        </p:txBody>
-      </p:sp>
-    </p:spTree>
-    <p:extLst>
-      <p:ext uri="{BB962C8B-B14F-4D97-AF65-F5344CB8AC3E}">
-        <p14:creationId xmlns:p14="http://schemas.microsoft.com/office/powerpoint/2010/main" val="3939429285"/>
       </p:ext>
     </p:extLst>
   </p:cSld>
@@ -4844,25 +4765,61 @@
               <a:t>7COM1079-2024  Student Group No:  A 231                Names of Student Attendees : </a:t>
             </a:r>
             <a:r>
+              <a:rPr lang="en-US" b="0" i="0" u="none" strike="noStrike" dirty="0" err="1">
+                <a:effectLst/>
+                <a:latin typeface="Lato Extended"/>
+              </a:rPr>
+              <a:t>Chandrakanth</a:t>
+            </a:r>
+            <a:r>
               <a:rPr lang="en-US" b="0" i="0" u="none" strike="noStrike" dirty="0">
                 <a:effectLst/>
                 <a:latin typeface="Lato Extended"/>
               </a:rPr>
-              <a:t>Chandrakanth Pugalenthi</a:t>
-            </a:r>
+              <a:t> </a:t>
+            </a:r>
+            <a:r>
+              <a:rPr lang="en-US" b="0" i="0" u="none" strike="noStrike" dirty="0" err="1">
+                <a:effectLst/>
+                <a:latin typeface="Lato Extended"/>
+              </a:rPr>
+              <a:t>Pugalenthi</a:t>
+            </a:r>
+            <a:endParaRPr lang="en-US" b="0" i="0" u="none" strike="noStrike" dirty="0">
+              <a:effectLst/>
+              <a:latin typeface="Lato Extended"/>
+            </a:endParaRPr>
           </a:p>
           <a:p>
             <a:r>
               <a:rPr lang="en-GB" dirty="0"/>
               <a:t>                                                                                                                                         </a:t>
+            </a:r>
+            <a:r>
+              <a:rPr lang="en-US" b="0" i="0" u="none" strike="noStrike" dirty="0" err="1">
+                <a:effectLst/>
+                <a:latin typeface="Lato Extended"/>
+              </a:rPr>
+              <a:t>Gurucharan</a:t>
             </a:r>
             <a:r>
               <a:rPr lang="en-US" b="0" i="0" u="none" strike="noStrike" dirty="0">
                 <a:effectLst/>
                 <a:latin typeface="Lato Extended"/>
               </a:rPr>
-              <a:t>Gurucharan Kataru</a:t>
-            </a:r>
+              <a:t> </a:t>
+            </a:r>
+            <a:r>
+              <a:rPr lang="en-US" b="0" i="0" u="none" strike="noStrike" dirty="0" err="1">
+                <a:effectLst/>
+                <a:latin typeface="Lato Extended"/>
+              </a:rPr>
+              <a:t>Kataru</a:t>
+            </a:r>
+            <a:endParaRPr lang="en-US" b="0" i="0" u="none" strike="noStrike" dirty="0">
+              <a:effectLst/>
+              <a:latin typeface="Lato Extended"/>
+            </a:endParaRPr>
           </a:p>
           <a:p>
             <a:r>
@@ -4874,33 +4831,75 @@
                 <a:effectLst/>
                 <a:latin typeface="Lato Extended"/>
               </a:rPr>
-              <a:t>Hanuman Shabarish Siddam Setty</a:t>
-            </a:r>
-          </a:p>
-          <a:p>
-            <a:r>
-              <a:rPr lang="en-GB" dirty="0"/>
-              <a:t>                                                                                                                                         </a:t>
+              <a:t>Hanuman </a:t>
+            </a:r>
+            <a:r>
+              <a:rPr lang="en-US" b="0" i="0" u="none" strike="noStrike" dirty="0" err="1">
+                <a:effectLst/>
+                <a:latin typeface="Lato Extended"/>
+              </a:rPr>
+              <a:t>Shabarish</a:t>
             </a:r>
             <a:r>
               <a:rPr lang="en-US" b="0" i="0" u="none" strike="noStrike" dirty="0">
                 <a:effectLst/>
                 <a:latin typeface="Lato Extended"/>
               </a:rPr>
-              <a:t>Praveenraj Gopalakrishnan</a:t>
-            </a:r>
-          </a:p>
-          <a:p>
-            <a:r>
-              <a:rPr lang="en-GB" dirty="0"/>
-              <a:t>                                                                                                                                         </a:t>
+              <a:t> </a:t>
+            </a:r>
+            <a:r>
+              <a:rPr lang="en-US" b="0" i="0" u="none" strike="noStrike" dirty="0" err="1">
+                <a:effectLst/>
+                <a:latin typeface="Lato Extended"/>
+              </a:rPr>
+              <a:t>Siddam</a:t>
             </a:r>
             <a:r>
               <a:rPr lang="en-US" b="0" i="0" u="none" strike="noStrike" dirty="0">
                 <a:effectLst/>
                 <a:latin typeface="Lato Extended"/>
               </a:rPr>
-              <a:t>Sathyanarayana Mora</a:t>
+              <a:t> Setty</a:t>
+            </a:r>
+          </a:p>
+          <a:p>
+            <a:r>
+              <a:rPr lang="en-GB" dirty="0"/>
+              <a:t>                                                                                                                                         </a:t>
+            </a:r>
+            <a:r>
+              <a:rPr lang="en-US" b="0" i="0" u="none" strike="noStrike" dirty="0" err="1">
+                <a:effectLst/>
+                <a:latin typeface="Lato Extended"/>
+              </a:rPr>
+              <a:t>Praveenraj</a:t>
+            </a:r>
+            <a:r>
+              <a:rPr lang="en-US" b="0" i="0" u="none" strike="noStrike" dirty="0">
+                <a:effectLst/>
+                <a:latin typeface="Lato Extended"/>
+              </a:rPr>
+              <a:t> Gopalakrishnan</a:t>
+            </a:r>
+          </a:p>
+          <a:p>
+            <a:r>
+              <a:rPr lang="en-GB" dirty="0"/>
+              <a:t>                                                                                                                                         </a:t>
+            </a:r>
+            <a:r>
+              <a:rPr lang="en-US" b="0" i="0" u="none" strike="noStrike" dirty="0" err="1">
+                <a:effectLst/>
+                <a:latin typeface="Lato Extended"/>
+              </a:rPr>
+              <a:t>Sathyanarayana</a:t>
+            </a:r>
+            <a:r>
+              <a:rPr lang="en-US" b="0" i="0" u="none" strike="noStrike" dirty="0">
+                <a:effectLst/>
+                <a:latin typeface="Lato Extended"/>
+              </a:rPr>
+              <a:t> Mora</a:t>
             </a:r>
             <a:endParaRPr lang="en-GB" dirty="0"/>
           </a:p>
@@ -5155,23 +5154,53 @@
               <a:t>7COM1079-2024  Student Group No:  A 231                Names of Student Attendees : </a:t>
             </a:r>
             <a:r>
+              <a:rPr lang="en-US" dirty="0" err="1">
+                <a:latin typeface="Lato Extended"/>
+              </a:rPr>
+              <a:t>Chandrakanth</a:t>
+            </a:r>
+            <a:r>
               <a:rPr lang="en-US" dirty="0">
                 <a:latin typeface="Lato Extended"/>
               </a:rPr>
-              <a:t>Chandrakanth Pugalenthi</a:t>
-            </a:r>
+              <a:t> </a:t>
+            </a:r>
+            <a:r>
+              <a:rPr lang="en-US" dirty="0" err="1">
+                <a:latin typeface="Lato Extended"/>
+              </a:rPr>
+              <a:t>Pugalenthi</a:t>
+            </a:r>
+            <a:endParaRPr lang="en-US" dirty="0">
+              <a:latin typeface="Lato Extended"/>
+            </a:endParaRPr>
           </a:p>
           <a:p>
             <a:r>
               <a:rPr lang="en-GB" dirty="0"/>
               <a:t>                                                                                                                                         </a:t>
+            </a:r>
+            <a:r>
+              <a:rPr lang="en-US" dirty="0" err="1">
+                <a:latin typeface="Lato Extended"/>
+              </a:rPr>
+              <a:t>Gurucharan</a:t>
             </a:r>
             <a:r>
               <a:rPr lang="en-US" dirty="0">
                 <a:latin typeface="Lato Extended"/>
               </a:rPr>
-              <a:t>Gurucharan Kataru</a:t>
-            </a:r>
+              <a:t> </a:t>
+            </a:r>
+            <a:r>
+              <a:rPr lang="en-US" dirty="0" err="1">
+                <a:latin typeface="Lato Extended"/>
+              </a:rPr>
+              <a:t>Kataru</a:t>
+            </a:r>
+            <a:endParaRPr lang="en-US" dirty="0">
+              <a:latin typeface="Lato Extended"/>
+            </a:endParaRPr>
           </a:p>
           <a:p>
             <a:r>
@@ -5182,31 +5211,67 @@
               <a:rPr lang="en-US" dirty="0">
                 <a:latin typeface="Lato Extended"/>
               </a:rPr>
-              <a:t>Hanuman Shabarish Siddam Setty</a:t>
-            </a:r>
-          </a:p>
-          <a:p>
-            <a:r>
-              <a:rPr lang="en-GB" dirty="0"/>
-              <a:t>                                                                                                                                         </a:t>
+              <a:t>Hanuman </a:t>
+            </a:r>
+            <a:r>
+              <a:rPr lang="en-US" dirty="0" err="1">
+                <a:latin typeface="Lato Extended"/>
+              </a:rPr>
+              <a:t>Shabarish</a:t>
             </a:r>
             <a:r>
               <a:rPr lang="en-US" dirty="0">
                 <a:latin typeface="Lato Extended"/>
               </a:rPr>
-              <a:t>Praveenraj Gopalakrishnan</a:t>
-            </a:r>
-          </a:p>
-          <a:p>
-            <a:r>
-              <a:rPr lang="en-GB" dirty="0"/>
-              <a:t>                                                                                                                                         </a:t>
+              <a:t> </a:t>
+            </a:r>
+            <a:r>
+              <a:rPr lang="en-US" dirty="0" err="1">
+                <a:latin typeface="Lato Extended"/>
+              </a:rPr>
+              <a:t>Siddam</a:t>
             </a:r>
             <a:r>
               <a:rPr lang="en-US" dirty="0">
                 <a:latin typeface="Lato Extended"/>
               </a:rPr>
-              <a:t>Sathyanarayana Mora</a:t>
+              <a:t> Setty</a:t>
+            </a:r>
+          </a:p>
+          <a:p>
+            <a:r>
+              <a:rPr lang="en-GB" dirty="0"/>
+              <a:t>                                                                                                                                         </a:t>
+            </a:r>
+            <a:r>
+              <a:rPr lang="en-US" dirty="0" err="1">
+                <a:latin typeface="Lato Extended"/>
+              </a:rPr>
+              <a:t>Praveenraj</a:t>
+            </a:r>
+            <a:r>
+              <a:rPr lang="en-US" dirty="0">
+                <a:latin typeface="Lato Extended"/>
+              </a:rPr>
+              <a:t> Gopalakrishnan</a:t>
+            </a:r>
+          </a:p>
+          <a:p>
+            <a:r>
+              <a:rPr lang="en-GB" dirty="0"/>
+              <a:t>                                                                                                                                         </a:t>
+            </a:r>
+            <a:r>
+              <a:rPr lang="en-US" dirty="0" err="1">
+                <a:latin typeface="Lato Extended"/>
+              </a:rPr>
+              <a:t>Sathyanarayana</a:t>
+            </a:r>
+            <a:r>
+              <a:rPr lang="en-US" dirty="0">
+                <a:latin typeface="Lato Extended"/>
+              </a:rPr>
+              <a:t> Mora</a:t>
             </a:r>
             <a:endParaRPr lang="en-GB" dirty="0"/>
           </a:p>
@@ -5273,7 +5338,7 @@
                 <a:effectLst/>
                 <a:latin typeface="Helvetica Neue" panose="02000503000000020004" pitchFamily="2" charset="0"/>
               </a:rPr>
-              <a:t>State,(nominal/categorical).</a:t>
+              <a:t>State, nominal/categorical.</a:t>
             </a:r>
             <a:br>
               <a:rPr lang="en-US" sz="1800" b="0" dirty="0">
@@ -5307,7 +5372,7 @@
                 <a:effectLst/>
                 <a:latin typeface="Helvetica Neue" panose="02000503000000020004" pitchFamily="2" charset="0"/>
               </a:rPr>
-              <a:t>Voter turnout rate(interval/continuous).</a:t>
+              <a:t>Voter turnout rate- interval/continuous.</a:t>
             </a:r>
           </a:p>
         </p:txBody>
@@ -5563,7 +5628,7 @@
         </p:nvSpPr>
         <p:spPr>
           <a:xfrm>
-            <a:off x="11056919" y="800232"/>
+            <a:off x="11269543" y="284375"/>
             <a:ext cx="558281" cy="221244"/>
           </a:xfrm>
         </p:spPr>
@@ -5597,7 +5662,7 @@
         </p:nvSpPr>
         <p:spPr>
           <a:xfrm>
-            <a:off x="855940" y="1814040"/>
+            <a:off x="995189" y="988540"/>
             <a:ext cx="10480120" cy="4176584"/>
           </a:xfrm>
         </p:spPr>
@@ -5717,115 +5782,10 @@
           </a:p>
         </p:txBody>
       </p:sp>
-      <p:sp>
-        <p:nvSpPr>
-          <p:cNvPr id="6" name="Title 32">
-            <a:extLst>
-              <a:ext uri="{FF2B5EF4-FFF2-40B4-BE49-F238E27FC236}">
-                <a16:creationId xmlns:a16="http://schemas.microsoft.com/office/drawing/2014/main" id="{986402AA-BDC3-127B-8679-08164D3AADCB}"/>
-              </a:ext>
-            </a:extLst>
-          </p:cNvPr>
-          <p:cNvSpPr txBox="1">
-            <a:spLocks/>
-          </p:cNvSpPr>
-          <p:nvPr/>
-        </p:nvSpPr>
-        <p:spPr>
-          <a:xfrm>
-            <a:off x="855940" y="1411370"/>
-            <a:ext cx="10279150" cy="365125"/>
-          </a:xfrm>
-          <a:prstGeom prst="rect">
-            <a:avLst/>
-          </a:prstGeom>
-        </p:spPr>
-        <p:txBody>
-          <a:bodyPr vert="horz" lIns="0" tIns="0" rIns="0" bIns="0" rtlCol="0" anchor="t" anchorCtr="0">
-            <a:normAutofit fontScale="32500" lnSpcReduction="20000"/>
-          </a:bodyPr>
-          <a:lstStyle>
-            <a:lvl1pPr algn="l" defTabSz="914400" rtl="0" eaLnBrk="1" latinLnBrk="0" hangingPunct="1">
-              <a:lnSpc>
-                <a:spcPts val="8000"/>
-              </a:lnSpc>
-              <a:spcBef>
-                <a:spcPct val="0"/>
-              </a:spcBef>
-              <a:buNone/>
-              <a:defRPr sz="7500" b="1" kern="3000" spc="-200" baseline="0">
-                <a:solidFill>
-                  <a:schemeClr val="tx1"/>
-                </a:solidFill>
-                <a:latin typeface="+mj-lt"/>
-                <a:ea typeface="+mj-ea"/>
-                <a:cs typeface="+mj-cs"/>
-              </a:defRPr>
-            </a:lvl1pPr>
-          </a:lstStyle>
-          <a:p>
-            <a:pPr>
-              <a:lnSpc>
-                <a:spcPct val="100000"/>
-              </a:lnSpc>
-            </a:pPr>
-            <a:r>
-              <a:rPr lang="en-GB" sz="8000" dirty="0">
-                <a:latin typeface="Arial"/>
-                <a:cs typeface="Arial"/>
-              </a:rPr>
-              <a:t>Hypothesis</a:t>
-            </a:r>
-          </a:p>
-        </p:txBody>
-      </p:sp>
-      <p:sp>
-        <p:nvSpPr>
-          <p:cNvPr id="7" name="Footer Placeholder 1">
-            <a:extLst>
-              <a:ext uri="{FF2B5EF4-FFF2-40B4-BE49-F238E27FC236}">
-                <a16:creationId xmlns:a16="http://schemas.microsoft.com/office/drawing/2014/main" id="{CB04DB67-9536-EC99-E363-15A202EFBF7E}"/>
-              </a:ext>
-            </a:extLst>
-          </p:cNvPr>
-          <p:cNvSpPr>
-            <a:spLocks noGrp="1"/>
-          </p:cNvSpPr>
-          <p:nvPr>
-            <p:ph type="ftr" sz="quarter" idx="11"/>
-          </p:nvPr>
-        </p:nvSpPr>
-        <p:spPr>
-          <a:xfrm>
-            <a:off x="970139" y="775255"/>
-            <a:ext cx="7176911" cy="246221"/>
-          </a:xfrm>
-        </p:spPr>
-        <p:txBody>
-          <a:bodyPr/>
-          <a:lstStyle/>
-          <a:p>
-            <a:pPr>
-              <a:lnSpc>
-                <a:spcPct val="100000"/>
-              </a:lnSpc>
-            </a:pPr>
-            <a:r>
-              <a:rPr lang="en-GB" sz="1600" b="0" dirty="0"/>
-              <a:t>PRE 7COM1079-2024  Student Group No:</a:t>
-            </a:r>
-            <a:r>
-              <a:rPr lang="en-GB" sz="1600" dirty="0"/>
-              <a:t> A231</a:t>
-            </a:r>
-            <a:endParaRPr lang="en-GB" sz="1600" b="0" dirty="0"/>
-          </a:p>
-        </p:txBody>
-      </p:sp>
     </p:spTree>
     <p:extLst>
       <p:ext uri="{BB962C8B-B14F-4D97-AF65-F5344CB8AC3E}">
-        <p14:creationId xmlns:p14="http://schemas.microsoft.com/office/powerpoint/2010/main" val="1529597853"/>
+        <p14:creationId xmlns:p14="http://schemas.microsoft.com/office/powerpoint/2010/main" val="3281899123"/>
       </p:ext>
     </p:extLst>
   </p:cSld>
@@ -5923,10 +5883,10 @@
       </p:sp>
       <p:pic>
         <p:nvPicPr>
-          <p:cNvPr id="6" name="Picture 5">
-            <a:extLst>
-              <a:ext uri="{FF2B5EF4-FFF2-40B4-BE49-F238E27FC236}">
-                <a16:creationId xmlns:a16="http://schemas.microsoft.com/office/drawing/2014/main" id="{3B31E8F1-9161-7FBD-E9AB-E3197A8CB3F2}"/>
+          <p:cNvPr id="5" name="Picture 4" descr="A screenshot of a computer&#10;&#10;Description automatically generated">
+            <a:extLst>
+              <a:ext uri="{FF2B5EF4-FFF2-40B4-BE49-F238E27FC236}">
+                <a16:creationId xmlns:a16="http://schemas.microsoft.com/office/drawing/2014/main" id="{A7696895-F5A8-96E9-1888-E72D81170ACC}"/>
               </a:ext>
             </a:extLst>
           </p:cNvPr>
@@ -5936,444 +5896,21 @@
           <p:nvPr/>
         </p:nvPicPr>
         <p:blipFill>
-          <a:blip r:embed="rId2"/>
+          <a:blip r:embed="rId2">
+            <a:extLst>
+              <a:ext uri="{28A0092B-C50C-407E-A947-70E740481C1C}">
+                <a14:useLocalDpi xmlns:a14="http://schemas.microsoft.com/office/drawing/2010/main" val="0"/>
+              </a:ext>
+            </a:extLst>
+          </a:blip>
           <a:stretch>
             <a:fillRect/>
           </a:stretch>
         </p:blipFill>
         <p:spPr>
           <a:xfrm>
-            <a:off x="965289" y="1769193"/>
-            <a:ext cx="10273912" cy="2136058"/>
-          </a:xfrm>
-          <a:prstGeom prst="rect">
-            <a:avLst/>
-          </a:prstGeom>
-        </p:spPr>
-      </p:pic>
-      <p:sp>
-        <p:nvSpPr>
-          <p:cNvPr id="2" name="Content Placeholder 23">
-            <a:extLst>
-              <a:ext uri="{FF2B5EF4-FFF2-40B4-BE49-F238E27FC236}">
-                <a16:creationId xmlns:a16="http://schemas.microsoft.com/office/drawing/2014/main" id="{03CCD84A-05A5-5C45-F15E-0EAF455490E0}"/>
-              </a:ext>
-            </a:extLst>
-          </p:cNvPr>
-          <p:cNvSpPr txBox="1">
-            <a:spLocks/>
-          </p:cNvSpPr>
-          <p:nvPr/>
-        </p:nvSpPr>
-        <p:spPr>
-          <a:xfrm>
-            <a:off x="965289" y="4381976"/>
-            <a:ext cx="10489358" cy="560440"/>
-          </a:xfrm>
-          <a:prstGeom prst="rect">
-            <a:avLst/>
-          </a:prstGeom>
-        </p:spPr>
-        <p:txBody>
-          <a:bodyPr vert="horz" lIns="0" tIns="0" rIns="0" bIns="0" rtlCol="0">
-            <a:noAutofit/>
-          </a:bodyPr>
-          <a:lstStyle>
-            <a:lvl1pPr marL="0" indent="0" algn="l" defTabSz="914400" rtl="0" eaLnBrk="1" latinLnBrk="0" hangingPunct="1">
-              <a:lnSpc>
-                <a:spcPts val="2880"/>
-              </a:lnSpc>
-              <a:spcBef>
-                <a:spcPts val="0"/>
-              </a:spcBef>
-              <a:spcAft>
-                <a:spcPts val="992"/>
-              </a:spcAft>
-              <a:buFont typeface="Arial" panose="020B0604020202020204" pitchFamily="34" charset="0"/>
-              <a:buNone/>
-              <a:defRPr sz="3600" b="1" kern="3000" spc="-100" baseline="0">
-                <a:solidFill>
-                  <a:schemeClr val="tx2"/>
-                </a:solidFill>
-                <a:latin typeface="+mn-lt"/>
-                <a:ea typeface="+mn-ea"/>
-                <a:cs typeface="+mn-cs"/>
-              </a:defRPr>
-            </a:lvl1pPr>
-            <a:lvl2pPr marL="457200" indent="0" algn="ctr" defTabSz="914400" rtl="0" eaLnBrk="1" latinLnBrk="0" hangingPunct="1">
-              <a:lnSpc>
-                <a:spcPts val="2880"/>
-              </a:lnSpc>
-              <a:spcBef>
-                <a:spcPts val="0"/>
-              </a:spcBef>
-              <a:spcAft>
-                <a:spcPts val="992"/>
-              </a:spcAft>
-              <a:buFont typeface="Arial" panose="020B0604020202020204" pitchFamily="34" charset="0"/>
-              <a:buNone/>
-              <a:defRPr sz="2000" kern="2000" spc="-100" baseline="0">
-                <a:solidFill>
-                  <a:srgbClr val="203232"/>
-                </a:solidFill>
-                <a:latin typeface="+mn-lt"/>
-                <a:ea typeface="+mn-ea"/>
-                <a:cs typeface="+mn-cs"/>
-              </a:defRPr>
-            </a:lvl2pPr>
-            <a:lvl3pPr marL="914400" indent="0" algn="ctr" defTabSz="914400" rtl="0" eaLnBrk="1" latinLnBrk="0" hangingPunct="1">
-              <a:lnSpc>
-                <a:spcPts val="2880"/>
-              </a:lnSpc>
-              <a:spcBef>
-                <a:spcPts val="0"/>
-              </a:spcBef>
-              <a:spcAft>
-                <a:spcPts val="992"/>
-              </a:spcAft>
-              <a:buFont typeface="Arial" panose="020B0604020202020204" pitchFamily="34" charset="0"/>
-              <a:buNone/>
-              <a:defRPr sz="1800" kern="2000" spc="-100" baseline="0">
-                <a:solidFill>
-                  <a:srgbClr val="203232"/>
-                </a:solidFill>
-                <a:latin typeface="+mn-lt"/>
-                <a:ea typeface="+mn-ea"/>
-                <a:cs typeface="+mn-cs"/>
-              </a:defRPr>
-            </a:lvl3pPr>
-            <a:lvl4pPr marL="1371600" indent="0" algn="ctr" defTabSz="914400" rtl="0" eaLnBrk="1" latinLnBrk="0" hangingPunct="1">
-              <a:lnSpc>
-                <a:spcPts val="2160"/>
-              </a:lnSpc>
-              <a:spcBef>
-                <a:spcPts val="0"/>
-              </a:spcBef>
-              <a:buFont typeface="Arial" panose="020B0604020202020204" pitchFamily="34" charset="0"/>
-              <a:buNone/>
-              <a:defRPr sz="1600" kern="1200">
-                <a:solidFill>
-                  <a:srgbClr val="203232"/>
-                </a:solidFill>
-                <a:latin typeface="+mn-lt"/>
-                <a:ea typeface="+mn-ea"/>
-                <a:cs typeface="+mn-cs"/>
-              </a:defRPr>
-            </a:lvl4pPr>
-            <a:lvl5pPr marL="1828800" indent="0" algn="ctr" defTabSz="914400" rtl="0" eaLnBrk="1" latinLnBrk="0" hangingPunct="1">
-              <a:lnSpc>
-                <a:spcPts val="2160"/>
-              </a:lnSpc>
-              <a:spcBef>
-                <a:spcPts val="0"/>
-              </a:spcBef>
-              <a:buFont typeface="Arial" panose="020B0604020202020204" pitchFamily="34" charset="0"/>
-              <a:buNone/>
-              <a:defRPr sz="1600" b="1" kern="1200">
-                <a:solidFill>
-                  <a:srgbClr val="203232"/>
-                </a:solidFill>
-                <a:latin typeface="+mn-lt"/>
-                <a:ea typeface="+mn-ea"/>
-                <a:cs typeface="+mn-cs"/>
-              </a:defRPr>
-            </a:lvl5pPr>
-            <a:lvl6pPr marL="2286000" indent="0" algn="ctr" defTabSz="914400" rtl="0" eaLnBrk="1" latinLnBrk="0" hangingPunct="1">
-              <a:lnSpc>
-                <a:spcPct val="90000"/>
-              </a:lnSpc>
-              <a:spcBef>
-                <a:spcPts val="500"/>
-              </a:spcBef>
-              <a:buFont typeface="Arial" panose="020B0604020202020204" pitchFamily="34" charset="0"/>
-              <a:buNone/>
-              <a:defRPr sz="1600" kern="1200">
-                <a:solidFill>
-                  <a:schemeClr val="tx1"/>
-                </a:solidFill>
-                <a:latin typeface="+mn-lt"/>
-                <a:ea typeface="+mn-ea"/>
-                <a:cs typeface="+mn-cs"/>
-              </a:defRPr>
-            </a:lvl6pPr>
-            <a:lvl7pPr marL="2743200" indent="0" algn="ctr" defTabSz="914400" rtl="0" eaLnBrk="1" latinLnBrk="0" hangingPunct="1">
-              <a:lnSpc>
-                <a:spcPct val="90000"/>
-              </a:lnSpc>
-              <a:spcBef>
-                <a:spcPts val="500"/>
-              </a:spcBef>
-              <a:buFont typeface="Arial" panose="020B0604020202020204" pitchFamily="34" charset="0"/>
-              <a:buNone/>
-              <a:defRPr sz="1600" kern="1200">
-                <a:solidFill>
-                  <a:schemeClr val="tx1"/>
-                </a:solidFill>
-                <a:latin typeface="+mn-lt"/>
-                <a:ea typeface="+mn-ea"/>
-                <a:cs typeface="+mn-cs"/>
-              </a:defRPr>
-            </a:lvl7pPr>
-            <a:lvl8pPr marL="3200400" indent="0" algn="ctr" defTabSz="914400" rtl="0" eaLnBrk="1" latinLnBrk="0" hangingPunct="1">
-              <a:lnSpc>
-                <a:spcPct val="90000"/>
-              </a:lnSpc>
-              <a:spcBef>
-                <a:spcPts val="500"/>
-              </a:spcBef>
-              <a:buFont typeface="Arial" panose="020B0604020202020204" pitchFamily="34" charset="0"/>
-              <a:buNone/>
-              <a:defRPr sz="1600" kern="1200">
-                <a:solidFill>
-                  <a:schemeClr val="tx1"/>
-                </a:solidFill>
-                <a:latin typeface="+mn-lt"/>
-                <a:ea typeface="+mn-ea"/>
-                <a:cs typeface="+mn-cs"/>
-              </a:defRPr>
-            </a:lvl8pPr>
-            <a:lvl9pPr marL="3657600" indent="0" algn="ctr" defTabSz="914400" rtl="0" eaLnBrk="1" latinLnBrk="0" hangingPunct="1">
-              <a:lnSpc>
-                <a:spcPct val="90000"/>
-              </a:lnSpc>
-              <a:spcBef>
-                <a:spcPts val="500"/>
-              </a:spcBef>
-              <a:buFont typeface="Arial" panose="020B0604020202020204" pitchFamily="34" charset="0"/>
-              <a:buNone/>
-              <a:defRPr sz="1600" kern="1200">
-                <a:solidFill>
-                  <a:schemeClr val="tx1"/>
-                </a:solidFill>
-                <a:latin typeface="+mn-lt"/>
-                <a:ea typeface="+mn-ea"/>
-                <a:cs typeface="+mn-cs"/>
-              </a:defRPr>
-            </a:lvl9pPr>
-          </a:lstStyle>
-          <a:p>
-            <a:pPr algn="just"/>
-            <a:r>
-              <a:rPr lang="en-US" sz="1800" b="0" spc="0" dirty="0">
-                <a:solidFill>
-                  <a:schemeClr val="bg2">
-                    <a:lumMod val="50000"/>
-                  </a:schemeClr>
-                </a:solidFill>
-              </a:rPr>
-              <a:t>There are 53 rows and 15 columns.</a:t>
-            </a:r>
-            <a:endParaRPr lang="en-IN" sz="1800" b="0" spc="0" dirty="0">
-              <a:solidFill>
-                <a:schemeClr val="bg2">
-                  <a:lumMod val="50000"/>
-                </a:schemeClr>
-              </a:solidFill>
-            </a:endParaRPr>
-          </a:p>
-        </p:txBody>
-      </p:sp>
-    </p:spTree>
-    <p:extLst>
-      <p:ext uri="{BB962C8B-B14F-4D97-AF65-F5344CB8AC3E}">
-        <p14:creationId xmlns:p14="http://schemas.microsoft.com/office/powerpoint/2010/main" val="271734506"/>
-      </p:ext>
-    </p:extLst>
-  </p:cSld>
-  <p:clrMapOvr>
-    <a:masterClrMapping/>
-  </p:clrMapOvr>
-</p:sld>
-</file>
-
-<file path=ppt/slides/slide6.xml><?xml version="1.0" encoding="utf-8"?>
-<p:sld xmlns:a="http://schemas.openxmlformats.org/drawingml/2006/main" xmlns:r="http://schemas.openxmlformats.org/officeDocument/2006/relationships" xmlns:p="http://schemas.openxmlformats.org/presentationml/2006/main">
-  <p:cSld>
-    <p:spTree>
-      <p:nvGrpSpPr>
-        <p:cNvPr id="1" name=""/>
-        <p:cNvGrpSpPr/>
-        <p:nvPr/>
-      </p:nvGrpSpPr>
-      <p:grpSpPr>
-        <a:xfrm>
-          <a:off x="0" y="0"/>
-          <a:ext cx="0" cy="0"/>
-          <a:chOff x="0" y="0"/>
-          <a:chExt cx="0" cy="0"/>
-        </a:xfrm>
-      </p:grpSpPr>
-      <p:sp>
-        <p:nvSpPr>
-          <p:cNvPr id="33" name="Title 32">
-            <a:extLst>
-              <a:ext uri="{FF2B5EF4-FFF2-40B4-BE49-F238E27FC236}">
-                <a16:creationId xmlns:a16="http://schemas.microsoft.com/office/drawing/2014/main" id="{F07E611D-D19D-EC7A-5F97-A40D125F51A4}"/>
-              </a:ext>
-            </a:extLst>
-          </p:cNvPr>
-          <p:cNvSpPr>
-            <a:spLocks noGrp="1"/>
-          </p:cNvSpPr>
-          <p:nvPr>
-            <p:ph type="title"/>
-          </p:nvPr>
-        </p:nvSpPr>
-        <p:spPr/>
-        <p:txBody>
-          <a:bodyPr/>
-          <a:lstStyle/>
-          <a:p>
-            <a:r>
-              <a:rPr lang="en-IN" dirty="0"/>
-              <a:t>Visualization</a:t>
-            </a:r>
-          </a:p>
-        </p:txBody>
-      </p:sp>
-      <p:sp>
-        <p:nvSpPr>
-          <p:cNvPr id="24" name="Content Placeholder 23">
-            <a:extLst>
-              <a:ext uri="{FF2B5EF4-FFF2-40B4-BE49-F238E27FC236}">
-                <a16:creationId xmlns:a16="http://schemas.microsoft.com/office/drawing/2014/main" id="{416D93DF-7E7B-3539-00C9-95827FBA7D83}"/>
-              </a:ext>
-            </a:extLst>
-          </p:cNvPr>
-          <p:cNvSpPr>
-            <a:spLocks noGrp="1"/>
-          </p:cNvSpPr>
-          <p:nvPr>
-            <p:ph idx="1"/>
-          </p:nvPr>
-        </p:nvSpPr>
-        <p:spPr>
-          <a:xfrm>
-            <a:off x="970139" y="2717600"/>
-            <a:ext cx="5651641" cy="3175200"/>
-          </a:xfrm>
-        </p:spPr>
-        <p:txBody>
-          <a:bodyPr/>
-          <a:lstStyle/>
-          <a:p>
-            <a:pPr algn="just"/>
-            <a:r>
-              <a:rPr lang="en-IN" sz="1800" dirty="0"/>
-              <a:t>The histogram states that the data is not normally distributed (positively Skewed).</a:t>
-            </a:r>
-          </a:p>
-          <a:p>
-            <a:pPr algn="just"/>
-            <a:endParaRPr lang="en-IN" sz="1800" dirty="0"/>
-          </a:p>
-          <a:p>
-            <a:pPr algn="just"/>
-            <a:endParaRPr lang="en-IN" sz="1800" dirty="0"/>
-          </a:p>
-          <a:p>
-            <a:pPr algn="just"/>
-            <a:endParaRPr lang="en-IN" sz="1800" dirty="0"/>
-          </a:p>
-        </p:txBody>
-      </p:sp>
-      <p:sp>
-        <p:nvSpPr>
-          <p:cNvPr id="2" name="Footer Placeholder 1">
-            <a:extLst>
-              <a:ext uri="{FF2B5EF4-FFF2-40B4-BE49-F238E27FC236}">
-                <a16:creationId xmlns:a16="http://schemas.microsoft.com/office/drawing/2014/main" id="{EE56CD5D-A6F4-C1F0-527D-0D94FA696273}"/>
-              </a:ext>
-            </a:extLst>
-          </p:cNvPr>
-          <p:cNvSpPr>
-            <a:spLocks noGrp="1"/>
-          </p:cNvSpPr>
-          <p:nvPr>
-            <p:ph type="ftr" sz="quarter" idx="11"/>
-          </p:nvPr>
-        </p:nvSpPr>
-        <p:spPr>
-          <a:xfrm>
-            <a:off x="970139" y="775255"/>
-            <a:ext cx="7176911" cy="246221"/>
-          </a:xfrm>
-        </p:spPr>
-        <p:txBody>
-          <a:bodyPr/>
-          <a:lstStyle/>
-          <a:p>
-            <a:pPr>
-              <a:lnSpc>
-                <a:spcPct val="100000"/>
-              </a:lnSpc>
-            </a:pPr>
-            <a:r>
-              <a:rPr lang="en-GB" sz="1600" b="0" dirty="0"/>
-              <a:t>PRE 7COM1079-2024  Student Group No:</a:t>
-            </a:r>
-            <a:r>
-              <a:rPr lang="en-GB" sz="1600" dirty="0"/>
-              <a:t> A231</a:t>
-            </a:r>
-            <a:endParaRPr lang="en-GB" sz="1600" b="0" dirty="0"/>
-          </a:p>
-        </p:txBody>
-      </p:sp>
-      <p:sp>
-        <p:nvSpPr>
-          <p:cNvPr id="3" name="Slide Number Placeholder 2">
-            <a:extLst>
-              <a:ext uri="{FF2B5EF4-FFF2-40B4-BE49-F238E27FC236}">
-                <a16:creationId xmlns:a16="http://schemas.microsoft.com/office/drawing/2014/main" id="{C38DB271-6D19-4A3F-3D12-C12477A05397}"/>
-              </a:ext>
-            </a:extLst>
-          </p:cNvPr>
-          <p:cNvSpPr>
-            <a:spLocks noGrp="1"/>
-          </p:cNvSpPr>
-          <p:nvPr>
-            <p:ph type="sldNum" sz="quarter" idx="12"/>
-          </p:nvPr>
-        </p:nvSpPr>
-        <p:spPr/>
-        <p:txBody>
-          <a:bodyPr/>
-          <a:lstStyle/>
-          <a:p>
-            <a:fld id="{E4D355CA-84B7-41B1-B164-8BB439CC7C6B}" type="slidenum">
-              <a:rPr lang="en-GB" smtClean="0"/>
-              <a:pPr/>
-              <a:t>6</a:t>
-            </a:fld>
-            <a:endParaRPr lang="en-GB"/>
-          </a:p>
-        </p:txBody>
-      </p:sp>
-      <p:pic>
-        <p:nvPicPr>
-          <p:cNvPr id="8" name="Picture 7">
-            <a:extLst>
-              <a:ext uri="{FF2B5EF4-FFF2-40B4-BE49-F238E27FC236}">
-                <a16:creationId xmlns:a16="http://schemas.microsoft.com/office/drawing/2014/main" id="{461D12D8-8A3E-8242-FEFE-E75F1B6B8798}"/>
-              </a:ext>
-            </a:extLst>
-          </p:cNvPr>
-          <p:cNvPicPr>
-            <a:picLocks noChangeAspect="1"/>
-          </p:cNvPicPr>
-          <p:nvPr/>
-        </p:nvPicPr>
-        <p:blipFill>
-          <a:blip r:embed="rId2"/>
-          <a:stretch>
-            <a:fillRect/>
-          </a:stretch>
-        </p:blipFill>
-        <p:spPr>
-          <a:xfrm>
-            <a:off x="7087724" y="3130938"/>
-            <a:ext cx="4703814" cy="2830614"/>
+            <a:off x="1409046" y="2204866"/>
+            <a:ext cx="9373908" cy="2448267"/>
           </a:xfrm>
           <a:prstGeom prst="rect">
             <a:avLst/>
@@ -6383,173 +5920,7 @@
     </p:spTree>
     <p:extLst>
       <p:ext uri="{BB962C8B-B14F-4D97-AF65-F5344CB8AC3E}">
-        <p14:creationId xmlns:p14="http://schemas.microsoft.com/office/powerpoint/2010/main" val="2565465705"/>
-      </p:ext>
-    </p:extLst>
-  </p:cSld>
-  <p:clrMapOvr>
-    <a:masterClrMapping/>
-  </p:clrMapOvr>
-</p:sld>
-</file>
-
-<file path=ppt/slides/slide7.xml><?xml version="1.0" encoding="utf-8"?>
-<p:sld xmlns:a="http://schemas.openxmlformats.org/drawingml/2006/main" xmlns:r="http://schemas.openxmlformats.org/officeDocument/2006/relationships" xmlns:p="http://schemas.openxmlformats.org/presentationml/2006/main">
-  <p:cSld>
-    <p:spTree>
-      <p:nvGrpSpPr>
-        <p:cNvPr id="1" name=""/>
-        <p:cNvGrpSpPr/>
-        <p:nvPr/>
-      </p:nvGrpSpPr>
-      <p:grpSpPr>
-        <a:xfrm>
-          <a:off x="0" y="0"/>
-          <a:ext cx="0" cy="0"/>
-          <a:chOff x="0" y="0"/>
-          <a:chExt cx="0" cy="0"/>
-        </a:xfrm>
-      </p:grpSpPr>
-      <p:sp>
-        <p:nvSpPr>
-          <p:cNvPr id="10" name="Title 9">
-            <a:extLst>
-              <a:ext uri="{FF2B5EF4-FFF2-40B4-BE49-F238E27FC236}">
-                <a16:creationId xmlns:a16="http://schemas.microsoft.com/office/drawing/2014/main" id="{53C325C2-B3E2-84CF-BC13-5B0F44377D3C}"/>
-              </a:ext>
-            </a:extLst>
-          </p:cNvPr>
-          <p:cNvSpPr>
-            <a:spLocks noGrp="1"/>
-          </p:cNvSpPr>
-          <p:nvPr>
-            <p:ph type="title"/>
-          </p:nvPr>
-        </p:nvSpPr>
-        <p:spPr>
-          <a:xfrm>
-            <a:off x="942711" y="831624"/>
-            <a:ext cx="10279150" cy="365125"/>
-          </a:xfrm>
-        </p:spPr>
-        <p:txBody>
-          <a:bodyPr/>
-          <a:lstStyle/>
-          <a:p>
-            <a:r>
-              <a:rPr lang="en-IN" dirty="0"/>
-              <a:t>Code Snippet</a:t>
-            </a:r>
-          </a:p>
-        </p:txBody>
-      </p:sp>
-      <p:sp>
-        <p:nvSpPr>
-          <p:cNvPr id="2" name="Footer Placeholder 1">
-            <a:extLst>
-              <a:ext uri="{FF2B5EF4-FFF2-40B4-BE49-F238E27FC236}">
-                <a16:creationId xmlns:a16="http://schemas.microsoft.com/office/drawing/2014/main" id="{3A1E6E31-7AF2-11DB-4550-155AAE6DC2D3}"/>
-              </a:ext>
-            </a:extLst>
-          </p:cNvPr>
-          <p:cNvSpPr>
-            <a:spLocks noGrp="1"/>
-          </p:cNvSpPr>
-          <p:nvPr>
-            <p:ph type="ftr" sz="quarter" idx="11"/>
-          </p:nvPr>
-        </p:nvSpPr>
-        <p:spPr>
-          <a:xfrm>
-            <a:off x="970139" y="356155"/>
-            <a:ext cx="7176911" cy="246221"/>
-          </a:xfrm>
-        </p:spPr>
-        <p:txBody>
-          <a:bodyPr/>
-          <a:lstStyle/>
-          <a:p>
-            <a:pPr>
-              <a:lnSpc>
-                <a:spcPct val="100000"/>
-              </a:lnSpc>
-            </a:pPr>
-            <a:r>
-              <a:rPr lang="en-GB" sz="1600" b="0" dirty="0"/>
-              <a:t>PRE 7COM1079-2024  Student Group No:</a:t>
-            </a:r>
-            <a:r>
-              <a:rPr lang="en-GB" sz="1600" dirty="0"/>
-              <a:t> A231</a:t>
-            </a:r>
-            <a:endParaRPr lang="en-GB" sz="1600" b="0" dirty="0"/>
-          </a:p>
-        </p:txBody>
-      </p:sp>
-      <p:sp>
-        <p:nvSpPr>
-          <p:cNvPr id="3" name="Slide Number Placeholder 2">
-            <a:extLst>
-              <a:ext uri="{FF2B5EF4-FFF2-40B4-BE49-F238E27FC236}">
-                <a16:creationId xmlns:a16="http://schemas.microsoft.com/office/drawing/2014/main" id="{1C1B5968-DB9E-B290-BD34-A1CDD59504BA}"/>
-              </a:ext>
-            </a:extLst>
-          </p:cNvPr>
-          <p:cNvSpPr>
-            <a:spLocks noGrp="1"/>
-          </p:cNvSpPr>
-          <p:nvPr>
-            <p:ph type="sldNum" sz="quarter" idx="12"/>
-          </p:nvPr>
-        </p:nvSpPr>
-        <p:spPr/>
-        <p:txBody>
-          <a:bodyPr/>
-          <a:lstStyle/>
-          <a:p>
-            <a:fld id="{E4D355CA-84B7-41B1-B164-8BB439CC7C6B}" type="slidenum">
-              <a:rPr lang="en-GB" smtClean="0"/>
-              <a:pPr/>
-              <a:t>7</a:t>
-            </a:fld>
-            <a:endParaRPr lang="en-GB"/>
-          </a:p>
-        </p:txBody>
-      </p:sp>
-      <p:pic>
-        <p:nvPicPr>
-          <p:cNvPr id="13" name="Picture 12">
-            <a:extLst>
-              <a:ext uri="{FF2B5EF4-FFF2-40B4-BE49-F238E27FC236}">
-                <a16:creationId xmlns:a16="http://schemas.microsoft.com/office/drawing/2014/main" id="{514DDBC9-30FB-FF5B-6642-680732E333AD}"/>
-              </a:ext>
-            </a:extLst>
-          </p:cNvPr>
-          <p:cNvPicPr>
-            <a:picLocks noChangeAspect="1"/>
-          </p:cNvPicPr>
-          <p:nvPr/>
-        </p:nvPicPr>
-        <p:blipFill>
-          <a:blip r:embed="rId2"/>
-          <a:stretch>
-            <a:fillRect/>
-          </a:stretch>
-        </p:blipFill>
-        <p:spPr>
-          <a:xfrm>
-            <a:off x="1072136" y="1597618"/>
-            <a:ext cx="10020300" cy="5162670"/>
-          </a:xfrm>
-          <a:prstGeom prst="rect">
-            <a:avLst/>
-          </a:prstGeom>
-        </p:spPr>
-      </p:pic>
-    </p:spTree>
-    <p:extLst>
-      <p:ext uri="{BB962C8B-B14F-4D97-AF65-F5344CB8AC3E}">
-        <p14:creationId xmlns:p14="http://schemas.microsoft.com/office/powerpoint/2010/main" val="1567373919"/>
+        <p14:creationId xmlns:p14="http://schemas.microsoft.com/office/powerpoint/2010/main" val="271734506"/>
       </p:ext>
     </p:extLst>
   </p:cSld>
@@ -7411,6 +6782,15 @@
 </file>
 
 <file path=customXml/item1.xml><?xml version="1.0" encoding="utf-8"?>
+<?mso-contentType ?>
+<FormTemplates xmlns="http://schemas.microsoft.com/sharepoint/v3/contenttype/forms">
+  <Display>DocumentLibraryForm</Display>
+  <Edit>DocumentLibraryForm</Edit>
+  <New>DocumentLibraryForm</New>
+</FormTemplates>
+</file>
+
+<file path=customXml/item2.xml><?xml version="1.0" encoding="utf-8"?>
 <p:properties xmlns:p="http://schemas.microsoft.com/office/2006/metadata/properties" xmlns:xsi="http://www.w3.org/2001/XMLSchema-instance" xmlns:pc="http://schemas.microsoft.com/office/infopath/2007/PartnerControls">
   <documentManagement>
     <Information xmlns="4ad138b4-2b68-4b70-945d-07f8f18b1c9a" xsi:nil="true"/>
@@ -7418,7 +6798,7 @@
 </p:properties>
 </file>
 
-<file path=customXml/item2.xml><?xml version="1.0" encoding="utf-8"?>
+<file path=customXml/item3.xml><?xml version="1.0" encoding="utf-8"?>
 <ct:contentTypeSchema xmlns:ct="http://schemas.microsoft.com/office/2006/metadata/contentType" xmlns:ma="http://schemas.microsoft.com/office/2006/metadata/properties/metaAttributes" ct:_="" ma:_="" ma:contentTypeName="Document" ma:contentTypeID="0x01010026DBA85F447B164191BB36C258697B67" ma:contentTypeVersion="14" ma:contentTypeDescription="Create a new document." ma:contentTypeScope="" ma:versionID="ea511d05ca7f895fe9556935b5c9af34">
   <xsd:schema xmlns:xsd="http://www.w3.org/2001/XMLSchema" xmlns:xs="http://www.w3.org/2001/XMLSchema" xmlns:p="http://schemas.microsoft.com/office/2006/metadata/properties" xmlns:ns2="4ad138b4-2b68-4b70-945d-07f8f18b1c9a" xmlns:ns3="3c474641-ec36-472f-b125-6b1b0910eaa4" targetNamespace="http://schemas.microsoft.com/office/2006/metadata/properties" ma:root="true" ma:fieldsID="662270106d7a7e100bcac2c5f8d29899" ns2:_="" ns3:_="">
     <xsd:import namespace="4ad138b4-2b68-4b70-945d-07f8f18b1c9a"/>
@@ -7643,16 +7023,15 @@
 </ct:contentTypeSchema>
 </file>
 
-<file path=customXml/item3.xml><?xml version="1.0" encoding="utf-8"?>
-<?mso-contentType ?>
-<FormTemplates xmlns="http://schemas.microsoft.com/sharepoint/v3/contenttype/forms">
-  <Display>DocumentLibraryForm</Display>
-  <Edit>DocumentLibraryForm</Edit>
-  <New>DocumentLibraryForm</New>
-</FormTemplates>
+<file path=customXml/itemProps1.xml><?xml version="1.0" encoding="utf-8"?>
+<ds:datastoreItem xmlns:ds="http://schemas.openxmlformats.org/officeDocument/2006/customXml" ds:itemID="{91C521DD-2673-4EE6-BB9B-DC5C3320FFBB}">
+  <ds:schemaRefs>
+    <ds:schemaRef ds:uri="http://schemas.microsoft.com/sharepoint/v3/contenttype/forms"/>
+  </ds:schemaRefs>
+</ds:datastoreItem>
 </file>
 
-<file path=customXml/itemProps1.xml><?xml version="1.0" encoding="utf-8"?>
+<file path=customXml/itemProps2.xml><?xml version="1.0" encoding="utf-8"?>
 <ds:datastoreItem xmlns:ds="http://schemas.openxmlformats.org/officeDocument/2006/customXml" ds:itemID="{EDD1FC41-23C7-41B0-B5F9-BF4CD38AD2ED}">
   <ds:schemaRefs>
     <ds:schemaRef ds:uri="http://schemas.microsoft.com/office/infopath/2007/PartnerControls"/>
@@ -7669,7 +7048,7 @@
 </ds:datastoreItem>
 </file>
 
-<file path=customXml/itemProps2.xml><?xml version="1.0" encoding="utf-8"?>
+<file path=customXml/itemProps3.xml><?xml version="1.0" encoding="utf-8"?>
 <ds:datastoreItem xmlns:ds="http://schemas.openxmlformats.org/officeDocument/2006/customXml" ds:itemID="{421B8C57-903D-4D0E-8336-7B512F760CD1}">
   <ds:schemaRefs>
     <ds:schemaRef ds:uri="http://schemas.microsoft.com/office/2006/metadata/contentType"/>
@@ -7686,12 +7065,4 @@
     <ds:schemaRef ds:uri="http://schemas.microsoft.com/internal/obd"/>
   </ds:schemaRefs>
 </ds:datastoreItem>
-</file>
-
-<file path=customXml/itemProps3.xml><?xml version="1.0" encoding="utf-8"?>
-<ds:datastoreItem xmlns:ds="http://schemas.openxmlformats.org/officeDocument/2006/customXml" ds:itemID="{91C521DD-2673-4EE6-BB9B-DC5C3320FFBB}">
-  <ds:schemaRefs>
-    <ds:schemaRef ds:uri="http://schemas.microsoft.com/sharepoint/v3/contenttype/forms"/>
-  </ds:schemaRefs>
-</ds:datastoreItem>
 </file>